--- a/teaching-materials/infomation-system/ppt/第1章 绪论.pptx
+++ b/teaching-materials/infomation-system/ppt/第1章 绪论.pptx
@@ -1091,7 +1091,6 @@
             <a:off x="922338" y="747713"/>
             <a:ext cx="4987925" cy="3741737"/>
           </a:xfrm>
-          <a:ln/>
         </p:spPr>
       </p:sp>
       <p:sp>
@@ -1104,9 +1103,7 @@
             <p:ph type="body"/>
           </p:nvPr>
         </p:nvSpPr>
-        <p:spPr>
-          <a:ln/>
-        </p:spPr>
+        <p:spPr/>
         <p:txBody>
           <a:bodyPr wrap="square" lIns="91440" tIns="45720" rIns="91440" bIns="45720" anchor="ctr"/>
           <a:p>
@@ -1182,7 +1179,6 @@
             <a:off x="922338" y="747713"/>
             <a:ext cx="4987925" cy="3741737"/>
           </a:xfrm>
-          <a:ln/>
         </p:spPr>
       </p:sp>
       <p:sp>
@@ -1195,9 +1191,7 @@
             <p:ph type="body"/>
           </p:nvPr>
         </p:nvSpPr>
-        <p:spPr>
-          <a:ln/>
-        </p:spPr>
+        <p:spPr/>
         <p:txBody>
           <a:bodyPr wrap="square" lIns="91440" tIns="45720" rIns="91440" bIns="45720" anchor="ctr"/>
           <a:p>
@@ -1273,7 +1267,6 @@
             <a:off x="922338" y="747713"/>
             <a:ext cx="4987925" cy="3741737"/>
           </a:xfrm>
-          <a:ln/>
         </p:spPr>
       </p:sp>
       <p:sp>
@@ -1286,9 +1279,7 @@
             <p:ph type="body"/>
           </p:nvPr>
         </p:nvSpPr>
-        <p:spPr>
-          <a:ln/>
-        </p:spPr>
+        <p:spPr/>
         <p:txBody>
           <a:bodyPr wrap="square" lIns="91440" tIns="45720" rIns="91440" bIns="45720" anchor="ctr"/>
           <a:p>
@@ -1364,7 +1355,6 @@
             <a:off x="922338" y="747713"/>
             <a:ext cx="4987925" cy="3741737"/>
           </a:xfrm>
-          <a:ln/>
         </p:spPr>
       </p:sp>
       <p:sp>
@@ -1377,9 +1367,7 @@
             <p:ph type="body"/>
           </p:nvPr>
         </p:nvSpPr>
-        <p:spPr>
-          <a:ln/>
-        </p:spPr>
+        <p:spPr/>
         <p:txBody>
           <a:bodyPr wrap="square" lIns="91440" tIns="45720" rIns="91440" bIns="45720" anchor="ctr"/>
           <a:p>
@@ -1455,7 +1443,6 @@
             <a:off x="922338" y="747713"/>
             <a:ext cx="4987925" cy="3741737"/>
           </a:xfrm>
-          <a:ln/>
         </p:spPr>
       </p:sp>
       <p:sp>
@@ -1468,9 +1455,7 @@
             <p:ph type="body"/>
           </p:nvPr>
         </p:nvSpPr>
-        <p:spPr>
-          <a:ln/>
-        </p:spPr>
+        <p:spPr/>
         <p:txBody>
           <a:bodyPr wrap="square" lIns="91440" tIns="45720" rIns="91440" bIns="45720" anchor="ctr"/>
           <a:p>
@@ -1546,7 +1531,6 @@
             <a:off x="922338" y="747713"/>
             <a:ext cx="4987925" cy="3741737"/>
           </a:xfrm>
-          <a:ln/>
         </p:spPr>
       </p:sp>
       <p:sp>
@@ -1559,9 +1543,7 @@
             <p:ph type="body"/>
           </p:nvPr>
         </p:nvSpPr>
-        <p:spPr>
-          <a:ln/>
-        </p:spPr>
+        <p:spPr/>
         <p:txBody>
           <a:bodyPr wrap="square" lIns="91440" tIns="45720" rIns="91440" bIns="45720" anchor="ctr"/>
           <a:p>
@@ -1637,7 +1619,6 @@
             <a:off x="922338" y="747713"/>
             <a:ext cx="4987925" cy="3741737"/>
           </a:xfrm>
-          <a:ln/>
         </p:spPr>
       </p:sp>
       <p:sp>
@@ -1650,9 +1631,7 @@
             <p:ph type="body"/>
           </p:nvPr>
         </p:nvSpPr>
-        <p:spPr>
-          <a:ln/>
-        </p:spPr>
+        <p:spPr/>
         <p:txBody>
           <a:bodyPr wrap="square" lIns="91440" tIns="45720" rIns="91440" bIns="45720" anchor="ctr"/>
           <a:p>
@@ -1728,7 +1707,6 @@
             <a:off x="922338" y="747713"/>
             <a:ext cx="4987925" cy="3741737"/>
           </a:xfrm>
-          <a:ln/>
         </p:spPr>
       </p:sp>
       <p:sp>
@@ -1741,9 +1719,7 @@
             <p:ph type="body"/>
           </p:nvPr>
         </p:nvSpPr>
-        <p:spPr>
-          <a:ln/>
-        </p:spPr>
+        <p:spPr/>
         <p:txBody>
           <a:bodyPr wrap="square" lIns="91440" tIns="45720" rIns="91440" bIns="45720" anchor="ctr"/>
           <a:p>
@@ -1819,7 +1795,6 @@
             <a:off x="922338" y="747713"/>
             <a:ext cx="4987925" cy="3741737"/>
           </a:xfrm>
-          <a:ln/>
         </p:spPr>
       </p:sp>
       <p:sp>
@@ -1832,9 +1807,7 @@
             <p:ph type="body"/>
           </p:nvPr>
         </p:nvSpPr>
-        <p:spPr>
-          <a:ln/>
-        </p:spPr>
+        <p:spPr/>
         <p:txBody>
           <a:bodyPr wrap="square" lIns="91440" tIns="45720" rIns="91440" bIns="45720" anchor="ctr"/>
           <a:p>
@@ -1910,7 +1883,6 @@
             <a:off x="922338" y="747713"/>
             <a:ext cx="4987925" cy="3741737"/>
           </a:xfrm>
-          <a:ln/>
         </p:spPr>
       </p:sp>
       <p:sp>
@@ -1923,9 +1895,7 @@
             <p:ph type="body"/>
           </p:nvPr>
         </p:nvSpPr>
-        <p:spPr>
-          <a:ln/>
-        </p:spPr>
+        <p:spPr/>
         <p:txBody>
           <a:bodyPr wrap="square" lIns="91440" tIns="45720" rIns="91440" bIns="45720" anchor="ctr"/>
           <a:p>
@@ -2001,7 +1971,6 @@
             <a:off x="922338" y="747713"/>
             <a:ext cx="4987925" cy="3741737"/>
           </a:xfrm>
-          <a:ln/>
         </p:spPr>
       </p:sp>
       <p:sp>
@@ -2014,9 +1983,7 @@
             <p:ph type="body"/>
           </p:nvPr>
         </p:nvSpPr>
-        <p:spPr>
-          <a:ln/>
-        </p:spPr>
+        <p:spPr/>
         <p:txBody>
           <a:bodyPr wrap="square" lIns="91440" tIns="45720" rIns="91440" bIns="45720" anchor="ctr"/>
           <a:p>
@@ -2092,7 +2059,6 @@
             <a:off x="922338" y="747713"/>
             <a:ext cx="4987925" cy="3741737"/>
           </a:xfrm>
-          <a:ln/>
         </p:spPr>
       </p:sp>
       <p:sp>
@@ -2105,9 +2071,7 @@
             <p:ph type="body"/>
           </p:nvPr>
         </p:nvSpPr>
-        <p:spPr>
-          <a:ln/>
-        </p:spPr>
+        <p:spPr/>
         <p:txBody>
           <a:bodyPr wrap="square" lIns="91440" tIns="45720" rIns="91440" bIns="45720" anchor="ctr"/>
           <a:p>
@@ -2183,7 +2147,6 @@
             <a:off x="922338" y="747713"/>
             <a:ext cx="4987925" cy="3741737"/>
           </a:xfrm>
-          <a:ln/>
         </p:spPr>
       </p:sp>
       <p:sp>
@@ -2196,9 +2159,7 @@
             <p:ph type="body"/>
           </p:nvPr>
         </p:nvSpPr>
-        <p:spPr>
-          <a:ln/>
-        </p:spPr>
+        <p:spPr/>
         <p:txBody>
           <a:bodyPr wrap="square" lIns="91440" tIns="45720" rIns="91440" bIns="45720" anchor="ctr"/>
           <a:p>
@@ -2274,7 +2235,6 @@
             <a:off x="922338" y="747713"/>
             <a:ext cx="4987925" cy="3741737"/>
           </a:xfrm>
-          <a:ln/>
         </p:spPr>
       </p:sp>
       <p:sp>
@@ -2287,9 +2247,7 @@
             <p:ph type="body"/>
           </p:nvPr>
         </p:nvSpPr>
-        <p:spPr>
-          <a:ln/>
-        </p:spPr>
+        <p:spPr/>
         <p:txBody>
           <a:bodyPr wrap="square" lIns="91440" tIns="45720" rIns="91440" bIns="45720" anchor="ctr"/>
           <a:p>
@@ -2365,7 +2323,6 @@
             <a:off x="922338" y="747713"/>
             <a:ext cx="4987925" cy="3741737"/>
           </a:xfrm>
-          <a:ln/>
         </p:spPr>
       </p:sp>
       <p:sp>
@@ -2378,9 +2335,7 @@
             <p:ph type="body"/>
           </p:nvPr>
         </p:nvSpPr>
-        <p:spPr>
-          <a:ln/>
-        </p:spPr>
+        <p:spPr/>
         <p:txBody>
           <a:bodyPr wrap="square" lIns="91440" tIns="45720" rIns="91440" bIns="45720" anchor="ctr"/>
           <a:p>
@@ -2451,9 +2406,7 @@
             <p:ph type="body"/>
           </p:nvPr>
         </p:nvSpPr>
-        <p:spPr>
-          <a:ln/>
-        </p:spPr>
+        <p:spPr/>
         <p:txBody>
           <a:bodyPr wrap="square" lIns="91440" tIns="45720" rIns="91440" bIns="45720" anchor="ctr"/>
           <a:p>
@@ -2477,7 +2430,6 @@
             <a:off x="922338" y="747713"/>
             <a:ext cx="4987925" cy="3741737"/>
           </a:xfrm>
-          <a:ln/>
         </p:spPr>
       </p:sp>
     </p:spTree>
@@ -2553,7 +2505,6 @@
             <a:off x="922338" y="747713"/>
             <a:ext cx="4987925" cy="3741737"/>
           </a:xfrm>
-          <a:ln/>
         </p:spPr>
       </p:sp>
       <p:sp>
@@ -2566,9 +2517,7 @@
             <p:ph type="body"/>
           </p:nvPr>
         </p:nvSpPr>
-        <p:spPr>
-          <a:ln/>
-        </p:spPr>
+        <p:spPr/>
         <p:txBody>
           <a:bodyPr wrap="square" lIns="91440" tIns="45720" rIns="91440" bIns="45720" anchor="ctr"/>
           <a:p>
@@ -2644,7 +2593,6 @@
             <a:off x="922338" y="747713"/>
             <a:ext cx="4987925" cy="3741737"/>
           </a:xfrm>
-          <a:ln/>
         </p:spPr>
       </p:sp>
       <p:sp>
@@ -2657,9 +2605,7 @@
             <p:ph type="body"/>
           </p:nvPr>
         </p:nvSpPr>
-        <p:spPr>
-          <a:ln/>
-        </p:spPr>
+        <p:spPr/>
         <p:txBody>
           <a:bodyPr wrap="square" lIns="91440" tIns="45720" rIns="91440" bIns="45720" anchor="ctr"/>
           <a:p>
@@ -2735,7 +2681,6 @@
             <a:off x="922338" y="747713"/>
             <a:ext cx="4987925" cy="3741737"/>
           </a:xfrm>
-          <a:ln/>
         </p:spPr>
       </p:sp>
       <p:sp>
@@ -2748,9 +2693,7 @@
             <p:ph type="body"/>
           </p:nvPr>
         </p:nvSpPr>
-        <p:spPr>
-          <a:ln/>
-        </p:spPr>
+        <p:spPr/>
         <p:txBody>
           <a:bodyPr wrap="square" lIns="91440" tIns="45720" rIns="91440" bIns="45720" anchor="ctr"/>
           <a:p>
@@ -2826,7 +2769,6 @@
             <a:off x="922338" y="747713"/>
             <a:ext cx="4987925" cy="3741737"/>
           </a:xfrm>
-          <a:ln/>
         </p:spPr>
       </p:sp>
       <p:sp>
@@ -2839,9 +2781,7 @@
             <p:ph type="body"/>
           </p:nvPr>
         </p:nvSpPr>
-        <p:spPr>
-          <a:ln/>
-        </p:spPr>
+        <p:spPr/>
         <p:txBody>
           <a:bodyPr wrap="square" lIns="91440" tIns="45720" rIns="91440" bIns="45720" anchor="ctr"/>
           <a:p>
@@ -2917,7 +2857,6 @@
             <a:off x="922338" y="747713"/>
             <a:ext cx="4987925" cy="3741737"/>
           </a:xfrm>
-          <a:ln/>
         </p:spPr>
       </p:sp>
       <p:sp>
@@ -2930,9 +2869,7 @@
             <p:ph type="body"/>
           </p:nvPr>
         </p:nvSpPr>
-        <p:spPr>
-          <a:ln/>
-        </p:spPr>
+        <p:spPr/>
         <p:txBody>
           <a:bodyPr wrap="square" lIns="91440" tIns="45720" rIns="91440" bIns="45720" anchor="ctr"/>
           <a:p>
@@ -3008,7 +2945,6 @@
             <a:off x="922338" y="747713"/>
             <a:ext cx="4987925" cy="3741737"/>
           </a:xfrm>
-          <a:ln/>
         </p:spPr>
       </p:sp>
       <p:sp>
@@ -3021,9 +2957,7 @@
             <p:ph type="body"/>
           </p:nvPr>
         </p:nvSpPr>
-        <p:spPr>
-          <a:ln/>
-        </p:spPr>
+        <p:spPr/>
         <p:txBody>
           <a:bodyPr wrap="square" lIns="91440" tIns="45720" rIns="91440" bIns="45720" anchor="ctr"/>
           <a:p>
@@ -3103,7 +3037,6 @@
             <a:off x="922338" y="747713"/>
             <a:ext cx="4987925" cy="3741737"/>
           </a:xfrm>
-          <a:ln/>
         </p:spPr>
       </p:sp>
       <p:sp>
@@ -3116,9 +3049,7 @@
             <p:ph type="body"/>
           </p:nvPr>
         </p:nvSpPr>
-        <p:spPr>
-          <a:ln/>
-        </p:spPr>
+        <p:spPr/>
         <p:txBody>
           <a:bodyPr wrap="square" lIns="91440" tIns="45720" rIns="91440" bIns="45720" anchor="ctr"/>
           <a:p>
@@ -3194,7 +3125,6 @@
             <a:off x="922338" y="747713"/>
             <a:ext cx="4987925" cy="3741737"/>
           </a:xfrm>
-          <a:ln/>
         </p:spPr>
       </p:sp>
       <p:sp>
@@ -3207,9 +3137,7 @@
             <p:ph type="body"/>
           </p:nvPr>
         </p:nvSpPr>
-        <p:spPr>
-          <a:ln/>
-        </p:spPr>
+        <p:spPr/>
         <p:txBody>
           <a:bodyPr wrap="square" lIns="91440" tIns="45720" rIns="91440" bIns="45720" anchor="ctr"/>
           <a:p>
@@ -3285,7 +3213,6 @@
             <a:off x="922338" y="747713"/>
             <a:ext cx="4987925" cy="3741737"/>
           </a:xfrm>
-          <a:ln/>
         </p:spPr>
       </p:sp>
       <p:sp>
@@ -3298,9 +3225,7 @@
             <p:ph type="body"/>
           </p:nvPr>
         </p:nvSpPr>
-        <p:spPr>
-          <a:ln/>
-        </p:spPr>
+        <p:spPr/>
         <p:txBody>
           <a:bodyPr wrap="square" lIns="91440" tIns="45720" rIns="91440" bIns="45720" anchor="ctr"/>
           <a:p>
@@ -3379,7 +3304,6 @@
           <a:solidFill>
             <a:srgbClr val="FFFFFF"/>
           </a:solidFill>
-          <a:ln/>
         </p:spPr>
       </p:sp>
       <p:sp>
@@ -3476,7 +3400,6 @@
             <a:off x="922338" y="747713"/>
             <a:ext cx="4987925" cy="3741737"/>
           </a:xfrm>
-          <a:ln/>
         </p:spPr>
       </p:sp>
       <p:sp>
@@ -3489,9 +3412,7 @@
             <p:ph type="body"/>
           </p:nvPr>
         </p:nvSpPr>
-        <p:spPr>
-          <a:ln/>
-        </p:spPr>
+        <p:spPr/>
         <p:txBody>
           <a:bodyPr wrap="square" lIns="91440" tIns="45720" rIns="91440" bIns="45720" anchor="ctr"/>
           <a:p>
@@ -3567,7 +3488,6 @@
             <a:off x="922338" y="747713"/>
             <a:ext cx="4987925" cy="3741737"/>
           </a:xfrm>
-          <a:ln/>
         </p:spPr>
       </p:sp>
       <p:sp>
@@ -3580,9 +3500,7 @@
             <p:ph type="body"/>
           </p:nvPr>
         </p:nvSpPr>
-        <p:spPr>
-          <a:ln/>
-        </p:spPr>
+        <p:spPr/>
         <p:txBody>
           <a:bodyPr wrap="square" lIns="91440" tIns="45720" rIns="91440" bIns="45720" anchor="ctr"/>
           <a:p>
@@ -7123,9 +7041,7 @@
             <p:ph type="ctrTitle"/>
           </p:nvPr>
         </p:nvSpPr>
-        <p:spPr>
-          <a:ln/>
-        </p:spPr>
+        <p:spPr/>
         <p:txBody>
           <a:bodyPr vert="horz" wrap="square" lIns="91440" tIns="45720" rIns="91440" bIns="45720" anchor="ctr"/>
           <a:p>
@@ -7144,9 +7060,7 @@
             <p:ph type="subTitle" idx="1"/>
           </p:nvPr>
         </p:nvSpPr>
-        <p:spPr>
-          <a:ln/>
-        </p:spPr>
+        <p:spPr/>
         <p:txBody>
           <a:bodyPr vert="horz" wrap="square" lIns="91440" tIns="45720" rIns="91440" bIns="45720" anchor="t"/>
           <a:p>
@@ -7322,9 +7236,7 @@
             <p:ph type="title"/>
           </p:nvPr>
         </p:nvSpPr>
-        <p:spPr>
-          <a:ln/>
-        </p:spPr>
+        <p:spPr/>
         <p:txBody>
           <a:bodyPr vert="horz" wrap="square" lIns="91440" tIns="45720" rIns="91440" bIns="45720" anchor="ctr"/>
           <a:p>
@@ -7366,7 +7278,6 @@
             <a:off x="1403350" y="1557338"/>
             <a:ext cx="6324600" cy="4271962"/>
           </a:xfrm>
-          <a:ln/>
         </p:spPr>
         <p:txBody>
           <a:bodyPr vert="horz" wrap="square" lIns="91440" tIns="45720" rIns="91440" bIns="45720" anchor="t"/>
@@ -7500,9 +7411,7 @@
             <p:ph type="title"/>
           </p:nvPr>
         </p:nvSpPr>
-        <p:spPr>
-          <a:ln/>
-        </p:spPr>
+        <p:spPr/>
         <p:txBody>
           <a:bodyPr vert="horz" wrap="square" lIns="91440" tIns="45720" rIns="91440" bIns="45720" anchor="ctr"/>
           <a:p>
@@ -7530,7 +7439,6 @@
             <a:off x="990600" y="1098550"/>
             <a:ext cx="7772400" cy="5149850"/>
           </a:xfrm>
-          <a:ln/>
         </p:spPr>
         <p:txBody>
           <a:bodyPr vert="horz" wrap="square" lIns="91440" tIns="45720" rIns="91440" bIns="45720" anchor="t"/>
@@ -7700,9 +7608,7 @@
             <p:ph type="title"/>
           </p:nvPr>
         </p:nvSpPr>
-        <p:spPr>
-          <a:ln/>
-        </p:spPr>
+        <p:spPr/>
         <p:txBody>
           <a:bodyPr vert="horz" wrap="square" lIns="91440" tIns="45720" rIns="91440" bIns="45720" anchor="ctr"/>
           <a:p>
@@ -7730,7 +7636,6 @@
             <a:off x="457200" y="1098550"/>
             <a:ext cx="8229600" cy="5095875"/>
           </a:xfrm>
-          <a:ln/>
         </p:spPr>
         <p:txBody>
           <a:bodyPr vert="horz" wrap="square" lIns="91440" tIns="45720" rIns="91440" bIns="45720" anchor="t"/>
@@ -7904,9 +7809,7 @@
             <p:ph type="title"/>
           </p:nvPr>
         </p:nvSpPr>
-        <p:spPr>
-          <a:ln/>
-        </p:spPr>
+        <p:spPr/>
         <p:txBody>
           <a:bodyPr vert="horz" wrap="square" lIns="91440" tIns="45720" rIns="91440" bIns="45720" anchor="ctr"/>
           <a:p>
@@ -7933,9 +7836,7 @@
             <p:ph idx="1"/>
           </p:nvPr>
         </p:nvSpPr>
-        <p:spPr>
-          <a:ln/>
-        </p:spPr>
+        <p:spPr/>
         <p:txBody>
           <a:bodyPr vert="horz" wrap="square" lIns="91440" tIns="45720" rIns="91440" bIns="45720" anchor="t"/>
           <a:p>
@@ -8031,9 +7932,7 @@
             <p:ph type="title"/>
           </p:nvPr>
         </p:nvSpPr>
-        <p:spPr>
-          <a:ln/>
-        </p:spPr>
+        <p:spPr/>
         <p:txBody>
           <a:bodyPr vert="horz" wrap="square" lIns="91440" tIns="45720" rIns="91440" bIns="45720" anchor="ctr"/>
           <a:p>
@@ -8065,7 +7964,6 @@
             <a:off x="684213" y="1773238"/>
             <a:ext cx="7931150" cy="4495800"/>
           </a:xfrm>
-          <a:ln/>
         </p:spPr>
         <p:txBody>
           <a:bodyPr vert="horz" wrap="square" lIns="91440" tIns="45720" rIns="91440" bIns="45720" anchor="t"/>
@@ -8161,9 +8059,7 @@
             <p:ph type="title"/>
           </p:nvPr>
         </p:nvSpPr>
-        <p:spPr>
-          <a:ln/>
-        </p:spPr>
+        <p:spPr/>
         <p:txBody>
           <a:bodyPr vert="horz" wrap="square" lIns="91440" tIns="45720" rIns="91440" bIns="45720" anchor="ctr"/>
           <a:p>
@@ -8191,7 +8087,6 @@
             <a:off x="2195513" y="5661025"/>
             <a:ext cx="4176712" cy="288925"/>
           </a:xfrm>
-          <a:ln/>
         </p:spPr>
         <p:txBody>
           <a:bodyPr vert="horz" wrap="square" lIns="91440" tIns="45720" rIns="91440" bIns="45720" anchor="t"/>
@@ -8274,9 +8169,7 @@
             <p:ph type="title"/>
           </p:nvPr>
         </p:nvSpPr>
-        <p:spPr>
-          <a:ln/>
-        </p:spPr>
+        <p:spPr/>
         <p:txBody>
           <a:bodyPr vert="horz" wrap="square" lIns="91440" tIns="45720" rIns="91440" bIns="45720" anchor="ctr"/>
           <a:p>
@@ -8316,7 +8209,6 @@
             <a:off x="457200" y="1339850"/>
             <a:ext cx="8362950" cy="4854575"/>
           </a:xfrm>
-          <a:ln/>
         </p:spPr>
         <p:txBody>
           <a:bodyPr vert="horz" wrap="square" lIns="91440" tIns="45720" rIns="91440" bIns="45720" anchor="t"/>
@@ -8434,9 +8326,7 @@
             <p:ph type="title"/>
           </p:nvPr>
         </p:nvSpPr>
-        <p:spPr>
-          <a:ln/>
-        </p:spPr>
+        <p:spPr/>
         <p:txBody>
           <a:bodyPr vert="horz" wrap="square" lIns="91440" tIns="45720" rIns="91440" bIns="45720" anchor="ctr"/>
           <a:p>
@@ -8459,9 +8349,7 @@
             <p:ph idx="1"/>
           </p:nvPr>
         </p:nvSpPr>
-        <p:spPr>
-          <a:ln/>
-        </p:spPr>
+        <p:spPr/>
         <p:txBody>
           <a:bodyPr vert="horz" wrap="square" lIns="91440" tIns="45720" rIns="91440" bIns="45720" anchor="t"/>
           <a:p>
@@ -8546,9 +8434,7 @@
             <p:ph type="title"/>
           </p:nvPr>
         </p:nvSpPr>
-        <p:spPr>
-          <a:ln/>
-        </p:spPr>
+        <p:spPr/>
         <p:txBody>
           <a:bodyPr vert="horz" wrap="square" lIns="91440" tIns="45720" rIns="91440" bIns="45720" anchor="ctr"/>
           <a:p>
@@ -8583,9 +8469,7 @@
             <p:ph idx="1"/>
           </p:nvPr>
         </p:nvSpPr>
-        <p:spPr>
-          <a:ln/>
-        </p:spPr>
+        <p:spPr/>
         <p:txBody>
           <a:bodyPr vert="horz" wrap="square" lIns="91440" tIns="45720" rIns="91440" bIns="45720" anchor="t"/>
           <a:p>
@@ -8666,9 +8550,7 @@
             <p:ph type="title"/>
           </p:nvPr>
         </p:nvSpPr>
-        <p:spPr>
-          <a:ln/>
-        </p:spPr>
+        <p:spPr/>
         <p:txBody>
           <a:bodyPr vert="horz" wrap="square" lIns="91440" tIns="45720" rIns="91440" bIns="45720" anchor="ctr"/>
           <a:p>
@@ -8696,7 +8578,6 @@
             <a:off x="395288" y="1052513"/>
             <a:ext cx="8291512" cy="5210175"/>
           </a:xfrm>
-          <a:ln/>
         </p:spPr>
         <p:txBody>
           <a:bodyPr vert="horz" wrap="square" lIns="91440" tIns="45720" rIns="91440" bIns="45720" anchor="t"/>
@@ -8865,9 +8746,7 @@
             <p:ph type="title"/>
           </p:nvPr>
         </p:nvSpPr>
-        <p:spPr>
-          <a:ln/>
-        </p:spPr>
+        <p:spPr/>
         <p:txBody>
           <a:bodyPr vert="horz" wrap="square" lIns="91440" tIns="45720" rIns="91440" bIns="45720" anchor="ctr"/>
           <a:p>
@@ -8890,9 +8769,7 @@
             <p:ph idx="1"/>
           </p:nvPr>
         </p:nvSpPr>
-        <p:spPr>
-          <a:ln/>
-        </p:spPr>
+        <p:spPr/>
         <p:txBody>
           <a:bodyPr vert="horz" wrap="square" lIns="91440" tIns="45720" rIns="91440" bIns="45720" anchor="t"/>
           <a:p>
@@ -8974,7 +8851,6 @@
             <a:off x="611188" y="128588"/>
             <a:ext cx="7042150" cy="708025"/>
           </a:xfrm>
-          <a:ln/>
         </p:spPr>
         <p:txBody>
           <a:bodyPr vert="horz" wrap="square" lIns="91440" tIns="45720" rIns="91440" bIns="45720" anchor="ctr"/>
@@ -9007,7 +8883,6 @@
             <a:off x="827088" y="1341438"/>
             <a:ext cx="7764462" cy="4824412"/>
           </a:xfrm>
-          <a:ln/>
         </p:spPr>
         <p:txBody>
           <a:bodyPr vert="horz" wrap="square" lIns="91440" tIns="45720" rIns="91440" bIns="45720" anchor="t"/>
@@ -9109,9 +8984,7 @@
             <p:ph type="title"/>
           </p:nvPr>
         </p:nvSpPr>
-        <p:spPr>
-          <a:ln/>
-        </p:spPr>
+        <p:spPr/>
         <p:txBody>
           <a:bodyPr vert="horz" wrap="square" lIns="91440" tIns="45720" rIns="91440" bIns="45720" anchor="ctr"/>
           <a:p>
@@ -9151,7 +9024,6 @@
             <a:off x="533400" y="1098550"/>
             <a:ext cx="8229600" cy="5149850"/>
           </a:xfrm>
-          <a:ln/>
         </p:spPr>
         <p:txBody>
           <a:bodyPr vert="horz" wrap="square" lIns="91440" tIns="45720" rIns="91440" bIns="45720" anchor="t"/>
@@ -9356,9 +9228,7 @@
             <p:ph type="title"/>
           </p:nvPr>
         </p:nvSpPr>
-        <p:spPr>
-          <a:ln/>
-        </p:spPr>
+        <p:spPr/>
         <p:txBody>
           <a:bodyPr vert="horz" wrap="square" lIns="91440" tIns="45720" rIns="91440" bIns="45720" anchor="ctr"/>
           <a:p>
@@ -9385,9 +9255,7 @@
             <p:ph idx="1"/>
           </p:nvPr>
         </p:nvSpPr>
-        <p:spPr>
-          <a:ln/>
-        </p:spPr>
+        <p:spPr/>
         <p:txBody>
           <a:bodyPr vert="horz" wrap="square" lIns="91440" tIns="45720" rIns="91440" bIns="45720" anchor="t"/>
           <a:p>
@@ -9483,9 +9351,7 @@
             <p:ph type="title"/>
           </p:nvPr>
         </p:nvSpPr>
-        <p:spPr>
-          <a:ln/>
-        </p:spPr>
+        <p:spPr/>
         <p:txBody>
           <a:bodyPr vert="horz" wrap="square" lIns="91440" tIns="45720" rIns="91440" bIns="45720" anchor="ctr"/>
           <a:p>
@@ -9508,9 +9374,7 @@
             <p:ph idx="1"/>
           </p:nvPr>
         </p:nvSpPr>
-        <p:spPr>
-          <a:ln/>
-        </p:spPr>
+        <p:spPr/>
         <p:txBody>
           <a:bodyPr vert="horz" wrap="square" lIns="91440" tIns="45720" rIns="91440" bIns="45720" anchor="t"/>
           <a:p>
@@ -9595,9 +9459,7 @@
             <p:ph type="title"/>
           </p:nvPr>
         </p:nvSpPr>
-        <p:spPr>
-          <a:ln/>
-        </p:spPr>
+        <p:spPr/>
         <p:txBody>
           <a:bodyPr vert="horz" wrap="square" lIns="91440" tIns="45720" rIns="91440" bIns="45720" anchor="ctr"/>
           <a:p>
@@ -9629,7 +9491,6 @@
             <a:off x="395288" y="1098550"/>
             <a:ext cx="7772400" cy="4789488"/>
           </a:xfrm>
-          <a:ln/>
         </p:spPr>
         <p:txBody>
           <a:bodyPr vert="horz" wrap="square" lIns="91440" tIns="45720" rIns="91440" bIns="45720" anchor="t"/>
@@ -9723,9 +9584,7 @@
             <p:ph type="title"/>
           </p:nvPr>
         </p:nvSpPr>
-        <p:spPr>
-          <a:ln/>
-        </p:spPr>
+        <p:spPr/>
         <p:txBody>
           <a:bodyPr vert="horz" wrap="square" lIns="91440" tIns="45720" rIns="91440" bIns="45720" anchor="ctr"/>
           <a:p>
@@ -9748,9 +9607,7 @@
             <p:ph idx="1"/>
           </p:nvPr>
         </p:nvSpPr>
-        <p:spPr>
-          <a:ln/>
-        </p:spPr>
+        <p:spPr/>
         <p:txBody>
           <a:bodyPr vert="horz" wrap="square" lIns="91440" tIns="45720" rIns="91440" bIns="45720" anchor="t"/>
           <a:p>
@@ -9817,9 +9674,7 @@
             <p:ph type="title"/>
           </p:nvPr>
         </p:nvSpPr>
-        <p:spPr>
-          <a:ln/>
-        </p:spPr>
+        <p:spPr/>
         <p:txBody>
           <a:bodyPr vert="horz" wrap="square" lIns="91440" tIns="45720" rIns="91440" bIns="45720" anchor="ctr"/>
           <a:p>
@@ -9851,7 +9706,6 @@
             <a:off x="684213" y="1098550"/>
             <a:ext cx="7772400" cy="4789488"/>
           </a:xfrm>
-          <a:ln/>
         </p:spPr>
         <p:txBody>
           <a:bodyPr vert="horz" wrap="square" lIns="91440" tIns="45720" rIns="91440" bIns="45720" anchor="t"/>
@@ -9937,9 +9791,7 @@
             <p:ph type="title"/>
           </p:nvPr>
         </p:nvSpPr>
-        <p:spPr>
-          <a:ln/>
-        </p:spPr>
+        <p:spPr/>
         <p:txBody>
           <a:bodyPr vert="horz" wrap="square" lIns="91440" tIns="45720" rIns="91440" bIns="45720" anchor="ctr"/>
           <a:p>
@@ -9967,7 +9819,6 @@
             <a:off x="457200" y="1196975"/>
             <a:ext cx="8229600" cy="4854575"/>
           </a:xfrm>
-          <a:ln/>
         </p:spPr>
         <p:txBody>
           <a:bodyPr vert="horz" wrap="square" lIns="91440" tIns="45720" rIns="91440" bIns="45720" anchor="t"/>
@@ -10041,9 +9892,7 @@
             <p:ph type="title"/>
           </p:nvPr>
         </p:nvSpPr>
-        <p:spPr>
-          <a:ln/>
-        </p:spPr>
+        <p:spPr/>
         <p:txBody>
           <a:bodyPr vert="horz" wrap="square" lIns="91440" tIns="45720" rIns="91440" bIns="45720" anchor="ctr"/>
           <a:p>
@@ -10066,9 +9915,7 @@
             <p:ph idx="1"/>
           </p:nvPr>
         </p:nvSpPr>
-        <p:spPr>
-          <a:ln/>
-        </p:spPr>
+        <p:spPr/>
         <p:txBody>
           <a:bodyPr vert="horz" wrap="square" lIns="91440" tIns="45720" rIns="91440" bIns="45720" anchor="t"/>
           <a:p>
@@ -10157,9 +10004,7 @@
             <p:ph type="title"/>
           </p:nvPr>
         </p:nvSpPr>
-        <p:spPr>
-          <a:ln/>
-        </p:spPr>
+        <p:spPr/>
         <p:txBody>
           <a:bodyPr vert="horz" wrap="square" lIns="91440" tIns="45720" rIns="91440" bIns="45720" anchor="ctr"/>
           <a:p>
@@ -10182,9 +10027,7 @@
             <p:ph idx="1"/>
           </p:nvPr>
         </p:nvSpPr>
-        <p:spPr>
-          <a:ln/>
-        </p:spPr>
+        <p:spPr/>
         <p:txBody>
           <a:bodyPr vert="horz" wrap="square" lIns="91440" tIns="45720" rIns="91440" bIns="45720" anchor="t"/>
           <a:p>
@@ -10273,9 +10116,7 @@
             <p:ph type="title"/>
           </p:nvPr>
         </p:nvSpPr>
-        <p:spPr>
-          <a:ln/>
-        </p:spPr>
+        <p:spPr/>
         <p:txBody>
           <a:bodyPr vert="horz" wrap="square" lIns="91440" tIns="45720" rIns="91440" bIns="45720" anchor="ctr"/>
           <a:p>
@@ -10298,9 +10139,7 @@
             <p:ph idx="1"/>
           </p:nvPr>
         </p:nvSpPr>
-        <p:spPr>
-          <a:ln/>
-        </p:spPr>
+        <p:spPr/>
         <p:txBody>
           <a:bodyPr vert="horz" wrap="square" lIns="91440" tIns="45720" rIns="91440" bIns="45720" anchor="t"/>
           <a:p>
@@ -10405,9 +10244,7 @@
             <p:ph type="title"/>
           </p:nvPr>
         </p:nvSpPr>
-        <p:spPr>
-          <a:ln/>
-        </p:spPr>
+        <p:spPr/>
         <p:txBody>
           <a:bodyPr vert="horz" wrap="square" lIns="91440" tIns="45720" rIns="91440" bIns="45720" anchor="ctr"/>
           <a:p>
@@ -10435,7 +10272,6 @@
             <a:off x="539750" y="1268413"/>
             <a:ext cx="8135938" cy="4752975"/>
           </a:xfrm>
-          <a:ln/>
         </p:spPr>
         <p:txBody>
           <a:bodyPr vert="horz" wrap="square" lIns="91440" tIns="45720" rIns="91440" bIns="45720" anchor="t"/>
@@ -10625,9 +10461,7 @@
             <p:ph type="title"/>
           </p:nvPr>
         </p:nvSpPr>
-        <p:spPr>
-          <a:ln/>
-        </p:spPr>
+        <p:spPr/>
         <p:txBody>
           <a:bodyPr vert="horz" wrap="square" lIns="91440" tIns="45720" rIns="91440" bIns="45720" anchor="ctr"/>
           <a:p>
@@ -10655,7 +10489,6 @@
             <a:off x="457200" y="1098550"/>
             <a:ext cx="8229600" cy="5095875"/>
           </a:xfrm>
-          <a:ln/>
         </p:spPr>
         <p:txBody>
           <a:bodyPr vert="horz" wrap="square" lIns="91440" tIns="45720" rIns="91440" bIns="45720" anchor="t"/>
@@ -10749,9 +10582,7 @@
             <p:ph type="title"/>
           </p:nvPr>
         </p:nvSpPr>
-        <p:spPr>
-          <a:ln/>
-        </p:spPr>
+        <p:spPr/>
         <p:txBody>
           <a:bodyPr vert="horz" wrap="square" lIns="91440" tIns="45720" rIns="91440" bIns="45720" anchor="ctr"/>
           <a:p>
@@ -10779,7 +10610,6 @@
             <a:off x="457200" y="1098550"/>
             <a:ext cx="8229600" cy="5095875"/>
           </a:xfrm>
-          <a:ln/>
         </p:spPr>
         <p:txBody>
           <a:bodyPr vert="horz" wrap="square" lIns="91440" tIns="45720" rIns="91440" bIns="45720" anchor="t"/>
@@ -10849,9 +10679,7 @@
             <p:ph type="title"/>
           </p:nvPr>
         </p:nvSpPr>
-        <p:spPr>
-          <a:ln/>
-        </p:spPr>
+        <p:spPr/>
         <p:txBody>
           <a:bodyPr vert="horz" wrap="square" lIns="91440" tIns="45720" rIns="91440" bIns="45720" anchor="ctr"/>
           <a:p>
@@ -10874,9 +10702,7 @@
             <p:ph idx="1"/>
           </p:nvPr>
         </p:nvSpPr>
-        <p:spPr>
-          <a:ln/>
-        </p:spPr>
+        <p:spPr/>
         <p:txBody>
           <a:bodyPr vert="horz" wrap="square" lIns="91440" tIns="45720" rIns="91440" bIns="45720" anchor="t"/>
           <a:p>
@@ -10965,9 +10791,7 @@
             <p:ph type="title"/>
           </p:nvPr>
         </p:nvSpPr>
-        <p:spPr>
-          <a:ln/>
-        </p:spPr>
+        <p:spPr/>
         <p:txBody>
           <a:bodyPr vert="horz" wrap="square" lIns="91440" tIns="45720" rIns="91440" bIns="45720" anchor="ctr"/>
           <a:p>
@@ -10990,9 +10814,7 @@
             <p:ph idx="1"/>
           </p:nvPr>
         </p:nvSpPr>
-        <p:spPr>
-          <a:ln/>
-        </p:spPr>
+        <p:spPr/>
         <p:txBody>
           <a:bodyPr vert="horz" wrap="square" lIns="91440" tIns="45720" rIns="91440" bIns="45720" anchor="t"/>
           <a:p>
@@ -11122,9 +10944,7 @@
             <p:ph type="title"/>
           </p:nvPr>
         </p:nvSpPr>
-        <p:spPr>
-          <a:ln/>
-        </p:spPr>
+        <p:spPr/>
         <p:txBody>
           <a:bodyPr vert="horz" wrap="square" lIns="91440" tIns="45720" rIns="91440" bIns="45720" anchor="ctr"/>
           <a:p>
@@ -11156,7 +10976,6 @@
             <a:off x="1042988" y="1484313"/>
             <a:ext cx="6769100" cy="4537075"/>
           </a:xfrm>
-          <a:ln/>
         </p:spPr>
         <p:txBody>
           <a:bodyPr vert="horz" wrap="square" lIns="91440" tIns="45720" rIns="91440" bIns="45720" anchor="t"/>
@@ -11375,9 +11194,7 @@
             <p:ph type="title"/>
           </p:nvPr>
         </p:nvSpPr>
-        <p:spPr>
-          <a:ln/>
-        </p:spPr>
+        <p:spPr/>
         <p:txBody>
           <a:bodyPr vert="horz" wrap="square" lIns="91440" tIns="45720" rIns="91440" bIns="45720" anchor="ctr"/>
           <a:p>
@@ -11405,7 +11222,6 @@
             <a:off x="1116013" y="1454150"/>
             <a:ext cx="7570787" cy="4495800"/>
           </a:xfrm>
-          <a:ln/>
         </p:spPr>
         <p:txBody>
           <a:bodyPr vert="horz" wrap="square" lIns="91440" tIns="45720" rIns="91440" bIns="45720" anchor="t"/>
@@ -11612,9 +11428,7 @@
             <p:ph type="title"/>
           </p:nvPr>
         </p:nvSpPr>
-        <p:spPr>
-          <a:ln/>
-        </p:spPr>
+        <p:spPr/>
         <p:txBody>
           <a:bodyPr vert="horz" wrap="square" lIns="91440" tIns="45720" rIns="91440" bIns="45720" anchor="ctr"/>
           <a:p>
@@ -11641,9 +11455,7 @@
             <p:ph idx="1"/>
           </p:nvPr>
         </p:nvSpPr>
-        <p:spPr>
-          <a:ln/>
-        </p:spPr>
+        <p:spPr/>
         <p:txBody>
           <a:bodyPr vert="horz" wrap="square" lIns="91440" tIns="45720" rIns="91440" bIns="45720" anchor="t"/>
           <a:p>
@@ -11724,9 +11536,7 @@
             <p:ph type="title"/>
           </p:nvPr>
         </p:nvSpPr>
-        <p:spPr>
-          <a:ln/>
-        </p:spPr>
+        <p:spPr/>
         <p:txBody>
           <a:bodyPr vert="horz" wrap="square" lIns="91440" tIns="45720" rIns="91440" bIns="45720" anchor="ctr"/>
           <a:p>
@@ -11758,7 +11568,6 @@
             <a:off x="663575" y="1339850"/>
             <a:ext cx="8229600" cy="4854575"/>
           </a:xfrm>
-          <a:ln/>
         </p:spPr>
         <p:txBody>
           <a:bodyPr vert="horz" wrap="square" lIns="91440" tIns="45720" rIns="91440" bIns="45720" anchor="t"/>
@@ -11852,9 +11661,7 @@
             <p:ph type="title"/>
           </p:nvPr>
         </p:nvSpPr>
-        <p:spPr>
-          <a:ln/>
-        </p:spPr>
+        <p:spPr/>
         <p:txBody>
           <a:bodyPr vert="horz" wrap="square" lIns="91440" tIns="45720" rIns="91440" bIns="45720" anchor="ctr"/>
           <a:p>
@@ -11886,7 +11693,6 @@
             <a:off x="755650" y="1268413"/>
             <a:ext cx="7786688" cy="5072062"/>
           </a:xfrm>
-          <a:ln/>
         </p:spPr>
         <p:txBody>
           <a:bodyPr vert="horz" wrap="square" lIns="91440" tIns="45720" rIns="91440" bIns="45720" anchor="t"/>
@@ -11972,9 +11778,7 @@
             <p:ph type="title"/>
           </p:nvPr>
         </p:nvSpPr>
-        <p:spPr>
-          <a:ln/>
-        </p:spPr>
+        <p:spPr/>
         <p:txBody>
           <a:bodyPr vert="horz" wrap="square" lIns="91440" tIns="45720" rIns="91440" bIns="45720" anchor="ctr"/>
           <a:p>
@@ -12002,7 +11806,6 @@
             <a:off x="2843213" y="5949950"/>
             <a:ext cx="3455987" cy="304800"/>
           </a:xfrm>
-          <a:ln/>
         </p:spPr>
         <p:txBody>
           <a:bodyPr vert="horz" wrap="square" lIns="91440" tIns="45720" rIns="91440" bIns="45720" anchor="t"/>
@@ -12130,9 +11933,7 @@
             <p:ph type="title"/>
           </p:nvPr>
         </p:nvSpPr>
-        <p:spPr>
-          <a:ln/>
-        </p:spPr>
+        <p:spPr/>
         <p:txBody>
           <a:bodyPr vert="horz" wrap="square" lIns="91440" tIns="45720" rIns="91440" bIns="45720" anchor="ctr"/>
           <a:p>
@@ -12160,7 +11961,6 @@
             <a:off x="457200" y="1268413"/>
             <a:ext cx="8229600" cy="4827587"/>
           </a:xfrm>
-          <a:ln/>
         </p:spPr>
         <p:txBody>
           <a:bodyPr vert="horz" wrap="square" lIns="91440" tIns="45720" rIns="91440" bIns="45720" anchor="t"/>
@@ -12283,9 +12083,7 @@
             <p:ph type="title"/>
           </p:nvPr>
         </p:nvSpPr>
-        <p:spPr>
-          <a:ln/>
-        </p:spPr>
+        <p:spPr/>
         <p:txBody>
           <a:bodyPr vert="horz" wrap="square" lIns="91440" tIns="45720" rIns="91440" bIns="45720" anchor="ctr"/>
           <a:p>
@@ -12325,7 +12123,6 @@
             <a:off x="611188" y="1341438"/>
             <a:ext cx="7847012" cy="4983162"/>
           </a:xfrm>
-          <a:ln/>
         </p:spPr>
         <p:txBody>
           <a:bodyPr vert="horz" wrap="square" lIns="91440" tIns="45720" rIns="91440" bIns="45720" anchor="t"/>
@@ -12423,9 +12220,7 @@
             <p:ph type="title"/>
           </p:nvPr>
         </p:nvSpPr>
-        <p:spPr>
-          <a:ln/>
-        </p:spPr>
+        <p:spPr/>
         <p:txBody>
           <a:bodyPr vert="horz" wrap="square" lIns="91440" tIns="45720" rIns="91440" bIns="45720" anchor="ctr"/>
           <a:p>
@@ -12453,7 +12248,6 @@
             <a:off x="611188" y="1098550"/>
             <a:ext cx="7923212" cy="5226050"/>
           </a:xfrm>
-          <a:ln/>
         </p:spPr>
         <p:txBody>
           <a:bodyPr vert="horz" wrap="square" lIns="91440" tIns="45720" rIns="91440" bIns="45720" anchor="t"/>
@@ -12610,9 +12404,7 @@
             <p:ph type="title"/>
           </p:nvPr>
         </p:nvSpPr>
-        <p:spPr>
-          <a:ln/>
-        </p:spPr>
+        <p:spPr/>
         <p:txBody>
           <a:bodyPr vert="horz" wrap="square" lIns="91440" tIns="45720" rIns="91440" bIns="45720" anchor="ctr"/>
           <a:p>
@@ -12640,7 +12432,6 @@
             <a:off x="755650" y="1341438"/>
             <a:ext cx="7543800" cy="3959225"/>
           </a:xfrm>
-          <a:ln/>
         </p:spPr>
         <p:txBody>
           <a:bodyPr vert="horz" wrap="square" lIns="91440" tIns="45720" rIns="91440" bIns="45720" anchor="t"/>
@@ -12733,9 +12524,7 @@
             <p:ph type="title"/>
           </p:nvPr>
         </p:nvSpPr>
-        <p:spPr>
-          <a:ln/>
-        </p:spPr>
+        <p:spPr/>
         <p:txBody>
           <a:bodyPr vert="horz" wrap="square" lIns="91440" tIns="45720" rIns="91440" bIns="45720" anchor="ctr"/>
           <a:p>
@@ -12762,9 +12551,7 @@
             <p:ph idx="1"/>
           </p:nvPr>
         </p:nvSpPr>
-        <p:spPr>
-          <a:ln/>
-        </p:spPr>
+        <p:spPr/>
         <p:txBody>
           <a:bodyPr vert="horz" wrap="square" lIns="91440" tIns="45720" rIns="91440" bIns="45720" anchor="t"/>
           <a:p>
@@ -12848,9 +12635,7 @@
             <p:ph type="title"/>
           </p:nvPr>
         </p:nvSpPr>
-        <p:spPr>
-          <a:ln/>
-        </p:spPr>
+        <p:spPr/>
         <p:txBody>
           <a:bodyPr vert="horz" wrap="square" lIns="91440" tIns="45720" rIns="91440" bIns="45720" anchor="ctr"/>
           <a:p>
@@ -12873,9 +12658,7 @@
             <p:ph idx="1"/>
           </p:nvPr>
         </p:nvSpPr>
-        <p:spPr>
-          <a:ln/>
-        </p:spPr>
+        <p:spPr/>
         <p:txBody>
           <a:bodyPr vert="horz" wrap="square" lIns="91440" tIns="45720" rIns="91440" bIns="45720" anchor="t"/>
           <a:p>
@@ -12960,9 +12743,7 @@
             <p:ph type="title"/>
           </p:nvPr>
         </p:nvSpPr>
-        <p:spPr>
-          <a:ln/>
-        </p:spPr>
+        <p:spPr/>
         <p:txBody>
           <a:bodyPr vert="horz" wrap="square" lIns="91440" tIns="45720" rIns="91440" bIns="45720" anchor="ctr"/>
           <a:p>
@@ -12989,9 +12770,7 @@
             <p:ph idx="1"/>
           </p:nvPr>
         </p:nvSpPr>
-        <p:spPr>
-          <a:ln/>
-        </p:spPr>
+        <p:spPr/>
         <p:txBody>
           <a:bodyPr vert="horz" wrap="square" lIns="91440" tIns="45720" rIns="91440" bIns="45720" anchor="t"/>
           <a:p>
@@ -13052,9 +12831,7 @@
             <p:ph type="title"/>
           </p:nvPr>
         </p:nvSpPr>
-        <p:spPr>
-          <a:ln/>
-        </p:spPr>
+        <p:spPr/>
         <p:txBody>
           <a:bodyPr vert="horz" wrap="square" lIns="91440" tIns="45720" rIns="91440" bIns="45720" anchor="ctr"/>
           <a:p>
@@ -13081,9 +12858,7 @@
             <p:ph idx="1"/>
           </p:nvPr>
         </p:nvSpPr>
-        <p:spPr>
-          <a:ln/>
-        </p:spPr>
+        <p:spPr/>
         <p:txBody>
           <a:bodyPr vert="horz" wrap="square" lIns="91440" tIns="45720" rIns="91440" bIns="45720" anchor="t"/>
           <a:p>
@@ -13201,9 +12976,7 @@
             <p:ph type="title"/>
           </p:nvPr>
         </p:nvSpPr>
-        <p:spPr>
-          <a:ln/>
-        </p:spPr>
+        <p:spPr/>
         <p:txBody>
           <a:bodyPr vert="horz" wrap="square" lIns="91440" tIns="45720" rIns="91440" bIns="45720" anchor="ctr"/>
           <a:p>
@@ -13231,7 +13004,6 @@
             <a:off x="468313" y="1098550"/>
             <a:ext cx="8229600" cy="5097463"/>
           </a:xfrm>
-          <a:ln/>
         </p:spPr>
         <p:txBody>
           <a:bodyPr vert="horz" wrap="square" lIns="91440" tIns="45720" rIns="91440" bIns="45720" anchor="t"/>
@@ -13347,9 +13119,7 @@
             <p:ph type="title"/>
           </p:nvPr>
         </p:nvSpPr>
-        <p:spPr>
-          <a:ln/>
-        </p:spPr>
+        <p:spPr/>
         <p:txBody>
           <a:bodyPr vert="horz" wrap="square" lIns="91440" tIns="45720" rIns="91440" bIns="45720" anchor="ctr"/>
           <a:p>
@@ -13372,9 +13142,7 @@
             <p:ph idx="1"/>
           </p:nvPr>
         </p:nvSpPr>
-        <p:spPr>
-          <a:ln/>
-        </p:spPr>
+        <p:spPr/>
         <p:txBody>
           <a:bodyPr vert="horz" wrap="square" lIns="91440" tIns="45720" rIns="91440" bIns="45720" anchor="t"/>
           <a:p>
@@ -13504,9 +13272,7 @@
             <p:ph type="title"/>
           </p:nvPr>
         </p:nvSpPr>
-        <p:spPr>
-          <a:ln/>
-        </p:spPr>
+        <p:spPr/>
         <p:txBody>
           <a:bodyPr vert="horz" wrap="square" lIns="91440" tIns="45720" rIns="91440" bIns="45720" anchor="ctr"/>
           <a:p>
@@ -13538,7 +13304,6 @@
             <a:off x="457200" y="1098550"/>
             <a:ext cx="8229600" cy="5095875"/>
           </a:xfrm>
-          <a:ln/>
         </p:spPr>
         <p:txBody>
           <a:bodyPr vert="horz" wrap="square" lIns="91440" tIns="45720" rIns="91440" bIns="45720" anchor="t"/>
@@ -13664,9 +13429,7 @@
             <p:ph type="title"/>
           </p:nvPr>
         </p:nvSpPr>
-        <p:spPr>
-          <a:ln/>
-        </p:spPr>
+        <p:spPr/>
         <p:txBody>
           <a:bodyPr vert="horz" wrap="square" lIns="91440" tIns="45720" rIns="91440" bIns="45720" anchor="ctr"/>
           <a:p>
@@ -13698,7 +13461,6 @@
             <a:off x="609600" y="1098550"/>
             <a:ext cx="8229600" cy="4997450"/>
           </a:xfrm>
-          <a:ln/>
         </p:spPr>
         <p:txBody>
           <a:bodyPr vert="horz" wrap="square" lIns="91440" tIns="45720" rIns="91440" bIns="45720" anchor="t"/>
@@ -13892,9 +13654,7 @@
             <p:ph type="title"/>
           </p:nvPr>
         </p:nvSpPr>
-        <p:spPr>
-          <a:ln/>
-        </p:spPr>
+        <p:spPr/>
         <p:txBody>
           <a:bodyPr vert="horz" wrap="square" lIns="91440" tIns="45720" rIns="91440" bIns="45720" anchor="ctr"/>
           <a:p>
@@ -13917,9 +13677,7 @@
             <p:ph idx="1"/>
           </p:nvPr>
         </p:nvSpPr>
-        <p:spPr>
-          <a:ln/>
-        </p:spPr>
+        <p:spPr/>
         <p:txBody>
           <a:bodyPr vert="horz" wrap="square" lIns="91440" tIns="45720" rIns="91440" bIns="45720" anchor="t"/>
           <a:p>
@@ -14008,9 +13766,7 @@
             <p:ph type="title"/>
           </p:nvPr>
         </p:nvSpPr>
-        <p:spPr>
-          <a:ln/>
-        </p:spPr>
+        <p:spPr/>
         <p:txBody>
           <a:bodyPr vert="horz" wrap="square" lIns="91440" tIns="45720" rIns="91440" bIns="45720" anchor="ctr"/>
           <a:p>
@@ -14046,7 +13802,6 @@
             <a:off x="755650" y="1268413"/>
             <a:ext cx="7772400" cy="4489450"/>
           </a:xfrm>
-          <a:ln/>
         </p:spPr>
         <p:txBody>
           <a:bodyPr vert="horz" wrap="square" lIns="91440" tIns="45720" rIns="91440" bIns="45720" anchor="t"/>
@@ -14146,9 +13901,7 @@
             <p:ph type="title"/>
           </p:nvPr>
         </p:nvSpPr>
-        <p:spPr>
-          <a:ln/>
-        </p:spPr>
+        <p:spPr/>
         <p:txBody>
           <a:bodyPr vert="horz" wrap="square" lIns="91440" tIns="45720" rIns="91440" bIns="45720" anchor="ctr"/>
           <a:p>
@@ -14176,7 +13929,6 @@
             <a:off x="827088" y="1268413"/>
             <a:ext cx="7993062" cy="4630737"/>
           </a:xfrm>
-          <a:ln/>
         </p:spPr>
         <p:txBody>
           <a:bodyPr vert="horz" wrap="square" lIns="91440" tIns="45720" rIns="91440" bIns="45720" anchor="t"/>
@@ -14356,9 +14108,7 @@
             <p:ph type="title"/>
           </p:nvPr>
         </p:nvSpPr>
-        <p:spPr>
-          <a:ln/>
-        </p:spPr>
+        <p:spPr/>
         <p:txBody>
           <a:bodyPr vert="horz" wrap="square" lIns="91440" tIns="45720" rIns="91440" bIns="45720" anchor="ctr"/>
           <a:p>
@@ -14386,7 +14136,6 @@
             <a:off x="457200" y="1268413"/>
             <a:ext cx="8229600" cy="4465637"/>
           </a:xfrm>
-          <a:ln/>
         </p:spPr>
         <p:txBody>
           <a:bodyPr vert="horz" wrap="square" lIns="91440" tIns="45720" rIns="91440" bIns="45720" anchor="t"/>
@@ -14545,9 +14294,7 @@
             <p:ph type="title"/>
           </p:nvPr>
         </p:nvSpPr>
-        <p:spPr>
-          <a:ln/>
-        </p:spPr>
+        <p:spPr/>
         <p:txBody>
           <a:bodyPr vert="horz" wrap="square" lIns="91440" tIns="45720" rIns="91440" bIns="45720" anchor="ctr"/>
           <a:p>
@@ -14575,7 +14322,6 @@
             <a:off x="457200" y="1098550"/>
             <a:ext cx="8229600" cy="5095875"/>
           </a:xfrm>
-          <a:ln/>
         </p:spPr>
         <p:txBody>
           <a:bodyPr vert="horz" wrap="square" lIns="91440" tIns="45720" rIns="91440" bIns="45720" anchor="t"/>
@@ -14771,9 +14517,7 @@
             <p:ph type="title"/>
           </p:nvPr>
         </p:nvSpPr>
-        <p:spPr>
-          <a:ln/>
-        </p:spPr>
+        <p:spPr/>
         <p:txBody>
           <a:bodyPr vert="horz" wrap="square" lIns="91440" tIns="45720" rIns="91440" bIns="45720" anchor="ctr"/>
           <a:p>
@@ -14805,7 +14549,6 @@
             <a:off x="755650" y="1341438"/>
             <a:ext cx="7772400" cy="4618037"/>
           </a:xfrm>
-          <a:ln/>
         </p:spPr>
         <p:txBody>
           <a:bodyPr vert="horz" wrap="square" lIns="91440" tIns="45720" rIns="91440" bIns="45720" anchor="t"/>
@@ -14936,7 +14679,6 @@
             <a:off x="755650" y="44450"/>
             <a:ext cx="7793038" cy="863600"/>
           </a:xfrm>
-          <a:ln/>
         </p:spPr>
         <p:txBody>
           <a:bodyPr vert="horz" wrap="square" lIns="91440" tIns="45720" rIns="91440" bIns="45720" anchor="ctr"/>
@@ -14981,7 +14723,6 @@
             <a:off x="755650" y="1341438"/>
             <a:ext cx="8083550" cy="4751387"/>
           </a:xfrm>
-          <a:ln/>
         </p:spPr>
         <p:txBody>
           <a:bodyPr vert="horz" wrap="square" lIns="91440" tIns="45720" rIns="91440" bIns="45720" anchor="t"/>
@@ -16039,9 +15780,7 @@
             <p:ph type="title"/>
           </p:nvPr>
         </p:nvSpPr>
-        <p:spPr>
-          <a:ln/>
-        </p:spPr>
+        <p:spPr/>
         <p:txBody>
           <a:bodyPr vert="horz" wrap="square" lIns="91440" tIns="45720" rIns="91440" bIns="45720" anchor="ctr"/>
           <a:p>
@@ -16068,9 +15807,7 @@
             <p:ph idx="1"/>
           </p:nvPr>
         </p:nvSpPr>
-        <p:spPr>
-          <a:ln/>
-        </p:spPr>
+        <p:spPr/>
         <p:txBody>
           <a:bodyPr vert="horz" wrap="square" lIns="91440" tIns="45720" rIns="91440" bIns="45720" anchor="t"/>
           <a:p>
@@ -16186,9 +15923,7 @@
             <p:ph type="title"/>
           </p:nvPr>
         </p:nvSpPr>
-        <p:spPr>
-          <a:ln/>
-        </p:spPr>
+        <p:spPr/>
         <p:txBody>
           <a:bodyPr vert="horz" wrap="square" lIns="91440" tIns="45720" rIns="91440" bIns="45720" anchor="ctr"/>
           <a:p>
@@ -16216,7 +15951,6 @@
             <a:off x="762000" y="1098550"/>
             <a:ext cx="7772400" cy="5024438"/>
           </a:xfrm>
-          <a:ln/>
         </p:spPr>
         <p:txBody>
           <a:bodyPr vert="horz" wrap="square" lIns="91440" tIns="45720" rIns="91440" bIns="45720" anchor="t"/>
@@ -16394,9 +16128,7 @@
             <p:ph type="title"/>
           </p:nvPr>
         </p:nvSpPr>
-        <p:spPr>
-          <a:ln/>
-        </p:spPr>
+        <p:spPr/>
         <p:txBody>
           <a:bodyPr vert="horz" wrap="square" lIns="91440" tIns="45720" rIns="91440" bIns="45720" anchor="ctr"/>
           <a:p>
@@ -16424,7 +16156,6 @@
             <a:off x="685800" y="1341438"/>
             <a:ext cx="7234238" cy="4538662"/>
           </a:xfrm>
-          <a:ln/>
         </p:spPr>
         <p:txBody>
           <a:bodyPr vert="horz" wrap="square" lIns="91440" tIns="45720" rIns="91440" bIns="45720" anchor="t"/>
@@ -16502,9 +16233,7 @@
             <p:ph type="title"/>
           </p:nvPr>
         </p:nvSpPr>
-        <p:spPr>
-          <a:ln/>
-        </p:spPr>
+        <p:spPr/>
         <p:txBody>
           <a:bodyPr vert="horz" wrap="square" lIns="91440" tIns="45720" rIns="91440" bIns="45720" anchor="ctr"/>
           <a:p>
@@ -16536,7 +16265,6 @@
             <a:off x="555625" y="1098550"/>
             <a:ext cx="6896100" cy="5226050"/>
           </a:xfrm>
-          <a:ln/>
         </p:spPr>
         <p:txBody>
           <a:bodyPr vert="horz" wrap="square" lIns="91440" tIns="45720" rIns="91440" bIns="45720" anchor="t"/>
@@ -16670,9 +16398,7 @@
             <p:ph type="title"/>
           </p:nvPr>
         </p:nvSpPr>
-        <p:spPr>
-          <a:ln/>
-        </p:spPr>
+        <p:spPr/>
         <p:txBody>
           <a:bodyPr vert="horz" wrap="square" lIns="91440" tIns="45720" rIns="91440" bIns="45720" anchor="ctr"/>
           <a:p>
@@ -16695,9 +16421,7 @@
             <p:ph idx="1"/>
           </p:nvPr>
         </p:nvSpPr>
-        <p:spPr>
-          <a:ln/>
-        </p:spPr>
+        <p:spPr/>
         <p:txBody>
           <a:bodyPr vert="horz" wrap="square" lIns="91440" tIns="45720" rIns="91440" bIns="45720" anchor="t"/>
           <a:p>
@@ -16815,7 +16539,6 @@
             <a:off x="107950" y="-39687"/>
             <a:ext cx="9144000" cy="1138237"/>
           </a:xfrm>
-          <a:ln/>
         </p:spPr>
         <p:txBody>
           <a:bodyPr vert="horz" wrap="square" lIns="91440" tIns="45720" rIns="91440" bIns="45720" anchor="ctr"/>
@@ -16839,9 +16562,7 @@
             <p:ph idx="1"/>
           </p:nvPr>
         </p:nvSpPr>
-        <p:spPr>
-          <a:ln/>
-        </p:spPr>
+        <p:spPr/>
         <p:txBody>
           <a:bodyPr vert="horz" wrap="square" lIns="91440" tIns="45720" rIns="91440" bIns="45720" anchor="t"/>
           <a:p>
@@ -17464,9 +17185,7 @@
             <p:ph type="title"/>
           </p:nvPr>
         </p:nvSpPr>
-        <p:spPr>
-          <a:ln/>
-        </p:spPr>
+        <p:spPr/>
         <p:txBody>
           <a:bodyPr vert="horz" wrap="square" lIns="91440" tIns="45720" rIns="91440" bIns="45720" anchor="ctr"/>
           <a:p>
@@ -17498,7 +17217,6 @@
             <a:off x="457200" y="1098550"/>
             <a:ext cx="8229600" cy="5095875"/>
           </a:xfrm>
-          <a:ln/>
         </p:spPr>
         <p:txBody>
           <a:bodyPr vert="horz" wrap="square" lIns="91440" tIns="45720" rIns="91440" bIns="45720" anchor="t"/>
@@ -17640,9 +17358,7 @@
             <p:ph type="title"/>
           </p:nvPr>
         </p:nvSpPr>
-        <p:spPr>
-          <a:ln/>
-        </p:spPr>
+        <p:spPr/>
         <p:txBody>
           <a:bodyPr vert="horz" wrap="square" lIns="91440" tIns="45720" rIns="91440" bIns="45720" anchor="ctr"/>
           <a:p>
@@ -18058,7 +17774,6 @@
             <a:off x="144463" y="-100012"/>
             <a:ext cx="9036050" cy="1143000"/>
           </a:xfrm>
-          <a:ln/>
         </p:spPr>
         <p:txBody>
           <a:bodyPr vert="horz" wrap="square" lIns="91440" tIns="45720" rIns="91440" bIns="45720" anchor="ctr"/>
@@ -18842,9 +18557,7 @@
             <p:ph type="title"/>
           </p:nvPr>
         </p:nvSpPr>
-        <p:spPr>
-          <a:ln/>
-        </p:spPr>
+        <p:spPr/>
         <p:txBody>
           <a:bodyPr vert="horz" wrap="square" lIns="91440" tIns="45720" rIns="91440" bIns="45720" anchor="ctr"/>
           <a:p>
@@ -18888,7 +18601,6 @@
             <a:off x="755650" y="1268413"/>
             <a:ext cx="8007350" cy="4903787"/>
           </a:xfrm>
-          <a:ln/>
         </p:spPr>
         <p:txBody>
           <a:bodyPr vert="horz" wrap="square" lIns="91440" tIns="45720" rIns="91440" bIns="45720" anchor="t"/>
@@ -19017,9 +18729,7 @@
             <p:ph type="title"/>
           </p:nvPr>
         </p:nvSpPr>
-        <p:spPr>
-          <a:ln/>
-        </p:spPr>
+        <p:spPr/>
         <p:txBody>
           <a:bodyPr vert="horz" wrap="square" lIns="91440" tIns="45720" rIns="91440" bIns="45720" anchor="ctr"/>
           <a:p>
@@ -19051,7 +18761,6 @@
             <a:off x="468313" y="1098550"/>
             <a:ext cx="8548687" cy="4938713"/>
           </a:xfrm>
-          <a:ln/>
         </p:spPr>
         <p:txBody>
           <a:bodyPr vert="horz" wrap="square" lIns="91440" tIns="45720" rIns="91440" bIns="45720" anchor="t"/>
@@ -19213,9 +18922,7 @@
             <p:ph type="title"/>
           </p:nvPr>
         </p:nvSpPr>
-        <p:spPr>
-          <a:ln/>
-        </p:spPr>
+        <p:spPr/>
         <p:txBody>
           <a:bodyPr vert="horz" wrap="square" lIns="91440" tIns="45720" rIns="91440" bIns="45720" anchor="ctr"/>
           <a:p>
@@ -19242,9 +18949,7 @@
             <p:ph idx="1"/>
           </p:nvPr>
         </p:nvSpPr>
-        <p:spPr>
-          <a:ln/>
-        </p:spPr>
+        <p:spPr/>
         <p:txBody>
           <a:bodyPr vert="horz" wrap="square" lIns="91440" tIns="45720" rIns="91440" bIns="45720" anchor="t"/>
           <a:p>
@@ -19360,9 +19065,7 @@
             <p:ph type="title"/>
           </p:nvPr>
         </p:nvSpPr>
-        <p:spPr>
-          <a:ln/>
-        </p:spPr>
+        <p:spPr/>
         <p:txBody>
           <a:bodyPr vert="horz" wrap="square" lIns="91440" tIns="45720" rIns="91440" bIns="45720" anchor="ctr"/>
           <a:p>
@@ -19390,7 +19093,6 @@
             <a:off x="457200" y="981075"/>
             <a:ext cx="8229600" cy="5354638"/>
           </a:xfrm>
-          <a:ln/>
         </p:spPr>
         <p:txBody>
           <a:bodyPr vert="horz" wrap="square" lIns="91440" tIns="45720" rIns="91440" bIns="45720" anchor="t"/>
@@ -19625,9 +19327,7 @@
             <p:ph type="title"/>
           </p:nvPr>
         </p:nvSpPr>
-        <p:spPr>
-          <a:ln/>
-        </p:spPr>
+        <p:spPr/>
         <p:txBody>
           <a:bodyPr vert="horz" wrap="square" lIns="91440" tIns="45720" rIns="91440" bIns="45720" anchor="ctr"/>
           <a:p>
@@ -20925,9 +20625,7 @@
             <p:ph type="title"/>
           </p:nvPr>
         </p:nvSpPr>
-        <p:spPr>
-          <a:ln/>
-        </p:spPr>
+        <p:spPr/>
         <p:txBody>
           <a:bodyPr vert="horz" wrap="square" lIns="91440" tIns="45720" rIns="91440" bIns="45720" anchor="ctr"/>
           <a:p>
@@ -20955,7 +20653,6 @@
             <a:off x="457200" y="1098550"/>
             <a:ext cx="8229600" cy="4854575"/>
           </a:xfrm>
-          <a:ln/>
         </p:spPr>
         <p:txBody>
           <a:bodyPr vert="horz" wrap="square" lIns="91440" tIns="45720" rIns="91440" bIns="45720" anchor="t"/>
@@ -21168,9 +20865,7 @@
             <p:ph type="title"/>
           </p:nvPr>
         </p:nvSpPr>
-        <p:spPr>
-          <a:ln/>
-        </p:spPr>
+        <p:spPr/>
         <p:txBody>
           <a:bodyPr vert="horz" wrap="square" lIns="91440" tIns="45720" rIns="91440" bIns="45720" anchor="ctr"/>
           <a:p>
@@ -21202,7 +20897,6 @@
             <a:off x="755650" y="1412875"/>
             <a:ext cx="7931150" cy="4495800"/>
           </a:xfrm>
-          <a:ln/>
         </p:spPr>
         <p:txBody>
           <a:bodyPr vert="horz" wrap="square" lIns="91440" tIns="45720" rIns="91440" bIns="45720" anchor="t"/>
@@ -21284,9 +20978,7 @@
             <p:ph type="title"/>
           </p:nvPr>
         </p:nvSpPr>
-        <p:spPr>
-          <a:ln/>
-        </p:spPr>
+        <p:spPr/>
         <p:txBody>
           <a:bodyPr vert="horz" wrap="square" lIns="91440" tIns="45720" rIns="91440" bIns="45720" anchor="ctr"/>
           <a:p>
@@ -21314,7 +21006,6 @@
             <a:off x="457200" y="1196975"/>
             <a:ext cx="8229600" cy="4854575"/>
           </a:xfrm>
-          <a:ln/>
         </p:spPr>
         <p:txBody>
           <a:bodyPr vert="horz" wrap="square" lIns="91440" tIns="45720" rIns="91440" bIns="45720" anchor="t"/>
@@ -21501,9 +21192,7 @@
             <p:ph type="title"/>
           </p:nvPr>
         </p:nvSpPr>
-        <p:spPr>
-          <a:ln/>
-        </p:spPr>
+        <p:spPr/>
         <p:txBody>
           <a:bodyPr vert="horz" wrap="square" lIns="91440" tIns="45720" rIns="91440" bIns="45720" anchor="ctr"/>
           <a:p>
@@ -21531,7 +21220,6 @@
             <a:off x="457200" y="1098550"/>
             <a:ext cx="7786688" cy="4881563"/>
           </a:xfrm>
-          <a:ln/>
         </p:spPr>
         <p:txBody>
           <a:bodyPr vert="horz" wrap="square" lIns="91440" tIns="45720" rIns="91440" bIns="45720" anchor="t"/>
@@ -21625,9 +21313,7 @@
             <p:ph type="title"/>
           </p:nvPr>
         </p:nvSpPr>
-        <p:spPr>
-          <a:ln/>
-        </p:spPr>
+        <p:spPr/>
         <p:txBody>
           <a:bodyPr vert="horz" wrap="square" lIns="91440" tIns="45720" rIns="91440" bIns="45720" anchor="ctr"/>
           <a:p>
@@ -21655,7 +21341,6 @@
             <a:off x="457200" y="1098550"/>
             <a:ext cx="8229600" cy="5095875"/>
           </a:xfrm>
-          <a:ln/>
         </p:spPr>
         <p:txBody>
           <a:bodyPr vert="horz" wrap="square" lIns="91440" tIns="45720" rIns="91440" bIns="45720" anchor="t"/>
@@ -21780,7 +21465,6 @@
             <a:off x="539750" y="260350"/>
             <a:ext cx="8424863" cy="563563"/>
           </a:xfrm>
-          <a:ln/>
         </p:spPr>
         <p:txBody>
           <a:bodyPr vert="horz" wrap="square" lIns="91440" tIns="45720" rIns="91440" bIns="45720" anchor="ctr"/>
@@ -21809,7 +21493,6 @@
             <a:off x="457200" y="1052513"/>
             <a:ext cx="8507413" cy="5141912"/>
           </a:xfrm>
-          <a:ln/>
         </p:spPr>
         <p:txBody>
           <a:bodyPr vert="horz" wrap="square" lIns="91440" tIns="45720" rIns="91440" bIns="45720" anchor="t"/>
@@ -22054,9 +21737,7 @@
             <p:ph type="title"/>
           </p:nvPr>
         </p:nvSpPr>
-        <p:spPr>
-          <a:ln/>
-        </p:spPr>
+        <p:spPr/>
         <p:txBody>
           <a:bodyPr vert="horz" wrap="square" lIns="91440" tIns="45720" rIns="91440" bIns="45720" anchor="ctr"/>
           <a:p>
@@ -22092,7 +21773,6 @@
             <a:off x="395288" y="1125538"/>
             <a:ext cx="8229600" cy="4965700"/>
           </a:xfrm>
-          <a:ln/>
         </p:spPr>
         <p:txBody>
           <a:bodyPr vert="horz" wrap="square" lIns="91440" tIns="45720" rIns="91440" bIns="45720" anchor="t"/>
@@ -22309,7 +21989,6 @@
             <a:off x="-34925" y="188913"/>
             <a:ext cx="9359900" cy="563562"/>
           </a:xfrm>
-          <a:ln/>
         </p:spPr>
         <p:txBody>
           <a:bodyPr vert="horz" wrap="square" lIns="91440" tIns="45720" rIns="91440" bIns="45720" anchor="ctr"/>
@@ -23401,9 +23080,7 @@
             <p:ph type="title"/>
           </p:nvPr>
         </p:nvSpPr>
-        <p:spPr>
-          <a:ln/>
-        </p:spPr>
+        <p:spPr/>
         <p:txBody>
           <a:bodyPr vert="horz" wrap="square" lIns="91440" tIns="45720" rIns="91440" bIns="45720" anchor="ctr"/>
           <a:p>
@@ -23431,7 +23108,6 @@
             <a:off x="250825" y="1098550"/>
             <a:ext cx="8713788" cy="4854575"/>
           </a:xfrm>
-          <a:ln/>
         </p:spPr>
         <p:txBody>
           <a:bodyPr vert="horz" wrap="square" lIns="91440" tIns="45720" rIns="91440" bIns="45720" anchor="t"/>
@@ -23505,9 +23181,7 @@
             <p:ph type="title"/>
           </p:nvPr>
         </p:nvSpPr>
-        <p:spPr>
-          <a:ln/>
-        </p:spPr>
+        <p:spPr/>
         <p:txBody>
           <a:bodyPr vert="horz" wrap="square" lIns="91440" tIns="45720" rIns="91440" bIns="45720" anchor="ctr"/>
           <a:p>
@@ -23530,9 +23204,7 @@
             <p:ph idx="1"/>
           </p:nvPr>
         </p:nvSpPr>
-        <p:spPr>
-          <a:ln/>
-        </p:spPr>
+        <p:spPr/>
         <p:txBody>
           <a:bodyPr vert="horz" wrap="square" lIns="91440" tIns="45720" rIns="91440" bIns="45720" anchor="t"/>
           <a:p>
@@ -23662,9 +23334,7 @@
             <p:ph type="title"/>
           </p:nvPr>
         </p:nvSpPr>
-        <p:spPr>
-          <a:ln/>
-        </p:spPr>
+        <p:spPr/>
         <p:txBody>
           <a:bodyPr vert="horz" wrap="square" lIns="91440" tIns="45720" rIns="91440" bIns="45720" anchor="ctr"/>
           <a:p>
@@ -23696,7 +23366,6 @@
             <a:off x="755650" y="1098550"/>
             <a:ext cx="7777163" cy="4994275"/>
           </a:xfrm>
-          <a:ln/>
         </p:spPr>
         <p:txBody>
           <a:bodyPr vert="horz" wrap="square" lIns="91440" tIns="45720" rIns="91440" bIns="45720" anchor="t"/>
@@ -23915,9 +23584,7 @@
             <p:ph type="title"/>
           </p:nvPr>
         </p:nvSpPr>
-        <p:spPr>
-          <a:ln/>
-        </p:spPr>
+        <p:spPr/>
         <p:txBody>
           <a:bodyPr vert="horz" wrap="square" lIns="91440" tIns="45720" rIns="91440" bIns="45720" anchor="ctr"/>
           <a:p>
@@ -23949,7 +23616,6 @@
             <a:off x="957263" y="1098550"/>
             <a:ext cx="6329362" cy="4922838"/>
           </a:xfrm>
-          <a:ln/>
         </p:spPr>
         <p:txBody>
           <a:bodyPr vert="horz" wrap="square" lIns="91440" tIns="45720" rIns="91440" bIns="45720" anchor="t"/>
@@ -24142,9 +23808,7 @@
             <p:ph type="title"/>
           </p:nvPr>
         </p:nvSpPr>
-        <p:spPr>
-          <a:ln/>
-        </p:spPr>
+        <p:spPr/>
         <p:txBody>
           <a:bodyPr vert="horz" wrap="square" lIns="91440" tIns="45720" rIns="91440" bIns="45720" anchor="ctr"/>
           <a:p>
@@ -24176,7 +23840,6 @@
             <a:off x="250825" y="1098550"/>
             <a:ext cx="8642350" cy="5570538"/>
           </a:xfrm>
-          <a:ln/>
         </p:spPr>
         <p:txBody>
           <a:bodyPr vert="horz" wrap="square" lIns="91440" tIns="45720" rIns="91440" bIns="45720" anchor="t"/>
@@ -24341,9 +24004,7 @@
             <p:ph type="title"/>
           </p:nvPr>
         </p:nvSpPr>
-        <p:spPr>
-          <a:ln/>
-        </p:spPr>
+        <p:spPr/>
         <p:txBody>
           <a:bodyPr vert="horz" wrap="square" lIns="91440" tIns="45720" rIns="91440" bIns="45720" anchor="ctr"/>
           <a:p>
@@ -24366,9 +24027,7 @@
             <p:ph idx="1"/>
           </p:nvPr>
         </p:nvSpPr>
-        <p:spPr>
-          <a:ln/>
-        </p:spPr>
+        <p:spPr/>
         <p:txBody>
           <a:bodyPr vert="horz" wrap="square" lIns="91440" tIns="45720" rIns="91440" bIns="45720" anchor="t"/>
           <a:p>
@@ -24495,9 +24154,7 @@
             <p:ph type="title"/>
           </p:nvPr>
         </p:nvSpPr>
-        <p:spPr>
-          <a:ln/>
-        </p:spPr>
+        <p:spPr/>
         <p:txBody>
           <a:bodyPr vert="horz" wrap="square" lIns="91440" tIns="45720" rIns="91440" bIns="45720" anchor="ctr"/>
           <a:p>
@@ -26491,9 +26148,7 @@
             <p:ph type="title"/>
           </p:nvPr>
         </p:nvSpPr>
-        <p:spPr>
-          <a:ln/>
-        </p:spPr>
+        <p:spPr/>
         <p:txBody>
           <a:bodyPr vert="horz" wrap="square" lIns="91440" tIns="45720" rIns="91440" bIns="45720" anchor="ctr"/>
           <a:p>
@@ -26525,7 +26180,6 @@
             <a:off x="957263" y="1125538"/>
             <a:ext cx="6329362" cy="5029200"/>
           </a:xfrm>
-          <a:ln/>
         </p:spPr>
         <p:txBody>
           <a:bodyPr vert="horz" wrap="square" lIns="91440" tIns="45720" rIns="91440" bIns="45720" anchor="t"/>
@@ -26730,9 +26384,7 @@
             <p:ph type="title"/>
           </p:nvPr>
         </p:nvSpPr>
-        <p:spPr>
-          <a:ln/>
-        </p:spPr>
+        <p:spPr/>
         <p:txBody>
           <a:bodyPr vert="horz" wrap="square" lIns="91440" tIns="45720" rIns="91440" bIns="45720" anchor="ctr"/>
           <a:p>
@@ -26764,7 +26416,6 @@
             <a:off x="971550" y="1098550"/>
             <a:ext cx="7772400" cy="4994275"/>
           </a:xfrm>
-          <a:ln/>
         </p:spPr>
         <p:txBody>
           <a:bodyPr vert="horz" wrap="square" lIns="91440" tIns="45720" rIns="91440" bIns="45720" anchor="t"/>
@@ -26894,9 +26545,7 @@
             <p:ph type="title"/>
           </p:nvPr>
         </p:nvSpPr>
-        <p:spPr>
-          <a:ln/>
-        </p:spPr>
+        <p:spPr/>
         <p:txBody>
           <a:bodyPr vert="horz" wrap="square" lIns="91440" tIns="45720" rIns="91440" bIns="45720" anchor="ctr"/>
           <a:p>
@@ -26927,9 +26576,7 @@
             <p:ph idx="1"/>
           </p:nvPr>
         </p:nvSpPr>
-        <p:spPr>
-          <a:ln/>
-        </p:spPr>
+        <p:spPr/>
         <p:txBody>
           <a:bodyPr vert="horz" wrap="square" lIns="91440" tIns="45720" rIns="91440" bIns="45720" anchor="t"/>
           <a:p>
@@ -27063,9 +26710,7 @@
             <p:ph type="title"/>
           </p:nvPr>
         </p:nvSpPr>
-        <p:spPr>
-          <a:ln/>
-        </p:spPr>
+        <p:spPr/>
         <p:txBody>
           <a:bodyPr vert="horz" wrap="square" lIns="91440" tIns="45720" rIns="91440" bIns="45720" anchor="ctr"/>
           <a:p>
@@ -27097,7 +26742,6 @@
             <a:off x="914400" y="1600200"/>
             <a:ext cx="7931150" cy="4495800"/>
           </a:xfrm>
-          <a:ln/>
         </p:spPr>
         <p:txBody>
           <a:bodyPr vert="horz" wrap="square" lIns="91440" tIns="45720" rIns="91440" bIns="45720" anchor="t"/>
@@ -27173,9 +26817,7 @@
             <p:ph type="title"/>
           </p:nvPr>
         </p:nvSpPr>
-        <p:spPr>
-          <a:ln/>
-        </p:spPr>
+        <p:spPr/>
         <p:txBody>
           <a:bodyPr vert="horz" wrap="square" lIns="91440" tIns="45720" rIns="91440" bIns="45720" anchor="ctr"/>
           <a:p>
@@ -27207,7 +26849,6 @@
             <a:off x="827088" y="1196975"/>
             <a:ext cx="7210425" cy="4495800"/>
           </a:xfrm>
-          <a:ln/>
         </p:spPr>
         <p:txBody>
           <a:bodyPr vert="horz" wrap="square" lIns="91440" tIns="45720" rIns="91440" bIns="45720" anchor="t"/>
@@ -27421,9 +27062,7 @@
             <p:ph type="title"/>
           </p:nvPr>
         </p:nvSpPr>
-        <p:spPr>
-          <a:ln/>
-        </p:spPr>
+        <p:spPr/>
         <p:txBody>
           <a:bodyPr vert="horz" wrap="square" lIns="91440" tIns="45720" rIns="91440" bIns="45720" anchor="ctr"/>
           <a:p>
@@ -27451,7 +27090,6 @@
             <a:off x="990600" y="1268413"/>
             <a:ext cx="7696200" cy="4114800"/>
           </a:xfrm>
-          <a:ln/>
         </p:spPr>
         <p:txBody>
           <a:bodyPr vert="horz" wrap="square" lIns="91440" tIns="45720" rIns="91440" bIns="45720" anchor="t"/>
@@ -27582,9 +27220,7 @@
             <p:ph type="title"/>
           </p:nvPr>
         </p:nvSpPr>
-        <p:spPr>
-          <a:ln/>
-        </p:spPr>
+        <p:spPr/>
         <p:txBody>
           <a:bodyPr vert="horz" wrap="square" lIns="91440" tIns="45720" rIns="91440" bIns="45720" anchor="ctr"/>
           <a:p>
@@ -27612,7 +27248,6 @@
             <a:off x="457200" y="981075"/>
             <a:ext cx="8435975" cy="4637088"/>
           </a:xfrm>
-          <a:ln/>
         </p:spPr>
         <p:txBody>
           <a:bodyPr vert="horz" wrap="square" lIns="91440" tIns="45720" rIns="91440" bIns="45720" anchor="t"/>
@@ -27812,7 +27447,6 @@
             <a:off x="395288" y="188913"/>
             <a:ext cx="8748712" cy="563562"/>
           </a:xfrm>
-          <a:ln/>
         </p:spPr>
         <p:txBody>
           <a:bodyPr vert="horz" wrap="square" lIns="91440" tIns="45720" rIns="91440" bIns="45720" anchor="ctr"/>
@@ -27849,7 +27483,6 @@
             <a:off x="214313" y="1785938"/>
             <a:ext cx="8686800" cy="2803525"/>
           </a:xfrm>
-          <a:ln/>
         </p:spPr>
         <p:txBody>
           <a:bodyPr vert="horz" wrap="square" lIns="91440" tIns="45720" rIns="91440" bIns="45720" anchor="t"/>
@@ -27955,9 +27588,7 @@
             <p:ph type="title"/>
           </p:nvPr>
         </p:nvSpPr>
-        <p:spPr>
-          <a:ln/>
-        </p:spPr>
+        <p:spPr/>
         <p:txBody>
           <a:bodyPr vert="horz" wrap="square" lIns="91440" tIns="45720" rIns="91440" bIns="45720" anchor="ctr"/>
           <a:p>
@@ -27993,7 +27624,6 @@
             <a:off x="957263" y="1125538"/>
             <a:ext cx="6329362" cy="4625975"/>
           </a:xfrm>
-          <a:ln/>
         </p:spPr>
         <p:txBody>
           <a:bodyPr vert="horz" wrap="square" lIns="91440" tIns="45720" rIns="91440" bIns="45720" anchor="t"/>
@@ -28194,9 +27824,7 @@
             <p:ph type="title"/>
           </p:nvPr>
         </p:nvSpPr>
-        <p:spPr>
-          <a:ln/>
-        </p:spPr>
+        <p:spPr/>
         <p:txBody>
           <a:bodyPr vert="horz" wrap="square" lIns="91440" tIns="45720" rIns="91440" bIns="45720" anchor="ctr"/>
           <a:p>
@@ -28228,7 +27856,6 @@
             <a:off x="1066800" y="1828800"/>
             <a:ext cx="7772400" cy="4114800"/>
           </a:xfrm>
-          <a:ln/>
         </p:spPr>
         <p:txBody>
           <a:bodyPr vert="horz" wrap="square" lIns="91440" tIns="45720" rIns="91440" bIns="45720" anchor="t"/>
@@ -28298,9 +27925,7 @@
             <p:ph type="title"/>
           </p:nvPr>
         </p:nvSpPr>
-        <p:spPr>
-          <a:ln/>
-        </p:spPr>
+        <p:spPr/>
         <p:txBody>
           <a:bodyPr vert="horz" wrap="square" lIns="91440" tIns="45720" rIns="91440" bIns="45720" anchor="ctr"/>
           <a:p>
@@ -28327,9 +27952,7 @@
             <p:ph idx="1"/>
           </p:nvPr>
         </p:nvSpPr>
-        <p:spPr>
-          <a:ln/>
-        </p:spPr>
+        <p:spPr/>
         <p:txBody>
           <a:bodyPr vert="horz" wrap="square" lIns="91440" tIns="45720" rIns="91440" bIns="45720" anchor="t"/>
           <a:p>
@@ -28443,9 +28066,7 @@
             <p:ph type="title"/>
           </p:nvPr>
         </p:nvSpPr>
-        <p:spPr>
-          <a:ln/>
-        </p:spPr>
+        <p:spPr/>
         <p:txBody>
           <a:bodyPr vert="horz" wrap="square" lIns="91440" tIns="45720" rIns="91440" bIns="45720" anchor="ctr"/>
           <a:p>
@@ -28477,7 +28098,6 @@
             <a:off x="684213" y="1196975"/>
             <a:ext cx="8002587" cy="4005263"/>
           </a:xfrm>
-          <a:ln/>
         </p:spPr>
         <p:txBody>
           <a:bodyPr vert="horz" wrap="square" lIns="91440" tIns="45720" rIns="91440" bIns="45720" anchor="t"/>
@@ -28616,9 +28236,7 @@
             <p:ph type="title"/>
           </p:nvPr>
         </p:nvSpPr>
-        <p:spPr>
-          <a:ln/>
-        </p:spPr>
+        <p:spPr/>
         <p:txBody>
           <a:bodyPr vert="horz" wrap="square" lIns="91440" tIns="45720" rIns="91440" bIns="45720" anchor="ctr"/>
           <a:p>
@@ -28645,9 +28263,7 @@
             <p:ph idx="1"/>
           </p:nvPr>
         </p:nvSpPr>
-        <p:spPr>
-          <a:ln/>
-        </p:spPr>
+        <p:spPr/>
         <p:txBody>
           <a:bodyPr vert="horz" wrap="square" lIns="91440" tIns="45720" rIns="91440" bIns="45720" anchor="t"/>
           <a:p>
@@ -28840,9 +28456,7 @@
             <p:ph type="title"/>
           </p:nvPr>
         </p:nvSpPr>
-        <p:spPr>
-          <a:ln/>
-        </p:spPr>
+        <p:spPr/>
         <p:txBody>
           <a:bodyPr vert="horz" wrap="square" lIns="91440" tIns="45720" rIns="91440" bIns="45720" anchor="ctr"/>
           <a:p>
@@ -28869,9 +28483,7 @@
             <p:ph idx="1"/>
           </p:nvPr>
         </p:nvSpPr>
-        <p:spPr>
-          <a:ln/>
-        </p:spPr>
+        <p:spPr/>
         <p:txBody>
           <a:bodyPr vert="horz" wrap="square" lIns="91440" tIns="45720" rIns="91440" bIns="45720" anchor="t"/>
           <a:p>
@@ -28948,9 +28560,7 @@
             <p:ph type="title"/>
           </p:nvPr>
         </p:nvSpPr>
-        <p:spPr>
-          <a:ln/>
-        </p:spPr>
+        <p:spPr/>
         <p:txBody>
           <a:bodyPr vert="horz" wrap="square" lIns="91440" tIns="45720" rIns="91440" bIns="45720" anchor="ctr"/>
           <a:p>
@@ -28978,7 +28588,6 @@
             <a:off x="214313" y="1339850"/>
             <a:ext cx="8229600" cy="4854575"/>
           </a:xfrm>
-          <a:ln/>
         </p:spPr>
         <p:txBody>
           <a:bodyPr vert="horz" wrap="square" lIns="91440" tIns="45720" rIns="91440" bIns="45720" anchor="t"/>
@@ -29080,9 +28689,7 @@
             <p:ph type="title"/>
           </p:nvPr>
         </p:nvSpPr>
-        <p:spPr>
-          <a:ln/>
-        </p:spPr>
+        <p:spPr/>
         <p:txBody>
           <a:bodyPr vert="horz" wrap="square" lIns="91440" tIns="45720" rIns="91440" bIns="45720" anchor="ctr"/>
           <a:p>
@@ -29114,7 +28721,6 @@
             <a:off x="957263" y="1125538"/>
             <a:ext cx="6329362" cy="5029200"/>
           </a:xfrm>
-          <a:ln/>
         </p:spPr>
         <p:txBody>
           <a:bodyPr vert="horz" wrap="square" lIns="91440" tIns="45720" rIns="91440" bIns="45720" anchor="t"/>
@@ -29151,8 +28757,10 @@
               <a:t>1.2.2  </a:t>
             </a:r>
             <a:r>
-              <a:rPr lang="zh-CN" altLang="en-US" dirty="0"/>
-              <a:t>数据模型的组成要素</a:t>
+              <a:rPr lang="zh-CN" altLang="en-US" dirty="0">
+                <a:sym typeface="+mn-ea"/>
+              </a:rPr>
+              <a:t>概念模型</a:t>
             </a:r>
             <a:endParaRPr lang="zh-CN" altLang="en-US" dirty="0"/>
           </a:p>
@@ -29176,8 +28784,10 @@
               <a:t>1.2.3  </a:t>
             </a:r>
             <a:r>
-              <a:rPr lang="zh-CN" altLang="en-US" dirty="0"/>
-              <a:t>概念模型</a:t>
+              <a:rPr lang="zh-CN" altLang="en-US" dirty="0">
+                <a:sym typeface="+mn-ea"/>
+              </a:rPr>
+              <a:t>数据模型的组成要素</a:t>
             </a:r>
             <a:endParaRPr lang="zh-CN" altLang="en-US" dirty="0"/>
           </a:p>
@@ -29311,9 +28921,7 @@
             <p:ph type="title"/>
           </p:nvPr>
         </p:nvSpPr>
-        <p:spPr>
-          <a:ln/>
-        </p:spPr>
+        <p:spPr/>
         <p:txBody>
           <a:bodyPr vert="horz" wrap="square" lIns="91440" tIns="45720" rIns="91440" bIns="45720" anchor="ctr"/>
           <a:p>
@@ -29345,7 +28953,6 @@
             <a:off x="457200" y="1285875"/>
             <a:ext cx="8229600" cy="4854575"/>
           </a:xfrm>
-          <a:ln/>
         </p:spPr>
         <p:txBody>
           <a:bodyPr vert="horz" wrap="square" lIns="91440" tIns="45720" rIns="91440" bIns="45720" anchor="t"/>
@@ -29508,9 +29115,7 @@
             <p:ph type="title"/>
           </p:nvPr>
         </p:nvSpPr>
-        <p:spPr>
-          <a:ln/>
-        </p:spPr>
+        <p:spPr/>
         <p:txBody>
           <a:bodyPr vert="horz" wrap="square" lIns="91440" tIns="45720" rIns="91440" bIns="45720" anchor="ctr"/>
           <a:p>
@@ -29542,7 +29147,6 @@
             <a:off x="900113" y="1250950"/>
             <a:ext cx="6329362" cy="4625975"/>
           </a:xfrm>
-          <a:ln/>
         </p:spPr>
         <p:txBody>
           <a:bodyPr vert="horz" wrap="square" lIns="91440" tIns="45720" rIns="91440" bIns="45720" anchor="t"/>
@@ -29743,9 +29347,7 @@
             <p:ph type="title"/>
           </p:nvPr>
         </p:nvSpPr>
-        <p:spPr>
-          <a:ln/>
-        </p:spPr>
+        <p:spPr/>
         <p:txBody>
           <a:bodyPr vert="horz" wrap="square" lIns="91440" tIns="45720" rIns="91440" bIns="45720" anchor="ctr"/>
           <a:p>
@@ -29772,9 +29374,7 @@
             <p:ph idx="1"/>
           </p:nvPr>
         </p:nvSpPr>
-        <p:spPr>
-          <a:ln/>
-        </p:spPr>
+        <p:spPr/>
         <p:txBody>
           <a:bodyPr vert="horz" wrap="square" lIns="91440" tIns="45720" rIns="91440" bIns="45720" anchor="t"/>
           <a:p>
@@ -29883,9 +29483,7 @@
             <p:ph type="title"/>
           </p:nvPr>
         </p:nvSpPr>
-        <p:spPr>
-          <a:ln/>
-        </p:spPr>
+        <p:spPr/>
         <p:txBody>
           <a:bodyPr vert="horz" wrap="square" lIns="91440" tIns="45720" rIns="91440" bIns="45720" anchor="ctr"/>
           <a:p>
@@ -29917,7 +29515,6 @@
             <a:off x="304800" y="1268413"/>
             <a:ext cx="8458200" cy="4114800"/>
           </a:xfrm>
-          <a:ln/>
         </p:spPr>
         <p:txBody>
           <a:bodyPr vert="horz" wrap="square" lIns="91440" tIns="45720" rIns="91440" bIns="45720" anchor="t"/>
@@ -30046,9 +29643,7 @@
             <p:ph type="title"/>
           </p:nvPr>
         </p:nvSpPr>
-        <p:spPr>
-          <a:ln/>
-        </p:spPr>
+        <p:spPr/>
         <p:txBody>
           <a:bodyPr vert="horz" wrap="square" lIns="91440" tIns="45720" rIns="91440" bIns="45720" anchor="ctr"/>
           <a:p>
@@ -30071,9 +29666,7 @@
             <p:ph idx="1"/>
           </p:nvPr>
         </p:nvSpPr>
-        <p:spPr>
-          <a:ln/>
-        </p:spPr>
+        <p:spPr/>
         <p:txBody>
           <a:bodyPr vert="horz" wrap="square" lIns="91440" tIns="45720" rIns="91440" bIns="45720" anchor="t"/>
           <a:p>
@@ -36608,9 +36201,7 @@
             <p:ph type="title"/>
           </p:nvPr>
         </p:nvSpPr>
-        <p:spPr>
-          <a:ln/>
-        </p:spPr>
+        <p:spPr/>
         <p:txBody>
           <a:bodyPr vert="horz" wrap="square" lIns="91440" tIns="45720" rIns="91440" bIns="45720" anchor="ctr"/>
           <a:p>
@@ -36638,7 +36229,6 @@
             <a:off x="228600" y="1412875"/>
             <a:ext cx="8763000" cy="4191000"/>
           </a:xfrm>
-          <a:ln/>
         </p:spPr>
         <p:txBody>
           <a:bodyPr vert="horz" wrap="square" lIns="91440" tIns="45720" rIns="91440" bIns="45720" anchor="t"/>
@@ -36740,9 +36330,7 @@
             <p:ph type="title"/>
           </p:nvPr>
         </p:nvSpPr>
-        <p:spPr>
-          <a:ln/>
-        </p:spPr>
+        <p:spPr/>
         <p:txBody>
           <a:bodyPr vert="horz" wrap="square" lIns="91440" tIns="45720" rIns="91440" bIns="45720" anchor="ctr"/>
           <a:p>
@@ -36770,7 +36358,6 @@
             <a:off x="2700338" y="5661025"/>
             <a:ext cx="4330700" cy="376238"/>
           </a:xfrm>
-          <a:ln/>
         </p:spPr>
         <p:txBody>
           <a:bodyPr vert="horz" wrap="square" lIns="91440" tIns="45720" rIns="91440" bIns="45720" anchor="t"/>
@@ -37630,9 +37217,7 @@
             <p:ph type="title"/>
           </p:nvPr>
         </p:nvSpPr>
-        <p:spPr>
-          <a:ln/>
-        </p:spPr>
+        <p:spPr/>
         <p:txBody>
           <a:bodyPr vert="horz" wrap="square" lIns="91440" tIns="45720" rIns="91440" bIns="45720" anchor="ctr"/>
           <a:p>
@@ -37655,9 +37240,7 @@
             <p:ph idx="1"/>
           </p:nvPr>
         </p:nvSpPr>
-        <p:spPr>
-          <a:ln/>
-        </p:spPr>
+        <p:spPr/>
         <p:txBody>
           <a:bodyPr vert="horz" wrap="square" lIns="91440" tIns="45720" rIns="91440" bIns="45720" anchor="t"/>
           <a:p>
@@ -37787,9 +37370,7 @@
             <p:ph type="title"/>
           </p:nvPr>
         </p:nvSpPr>
-        <p:spPr>
-          <a:ln/>
-        </p:spPr>
+        <p:spPr/>
         <p:txBody>
           <a:bodyPr vert="horz" wrap="square" lIns="91440" tIns="45720" rIns="91440" bIns="45720" anchor="ctr"/>
           <a:p>
@@ -37817,7 +37398,6 @@
             <a:off x="2700338" y="5876925"/>
             <a:ext cx="4968875" cy="376238"/>
           </a:xfrm>
-          <a:ln/>
         </p:spPr>
         <p:txBody>
           <a:bodyPr vert="horz" wrap="square" lIns="91440" tIns="45720" rIns="91440" bIns="45720" anchor="t"/>
@@ -37900,9 +37480,7 @@
             <p:ph type="title"/>
           </p:nvPr>
         </p:nvSpPr>
-        <p:spPr>
-          <a:ln/>
-        </p:spPr>
+        <p:spPr/>
         <p:txBody>
           <a:bodyPr vert="horz" wrap="square" lIns="91440" tIns="45720" rIns="91440" bIns="45720" anchor="ctr"/>
           <a:p>
@@ -37934,7 +37512,6 @@
             <a:off x="684213" y="1268413"/>
             <a:ext cx="7931150" cy="4856162"/>
           </a:xfrm>
-          <a:ln/>
         </p:spPr>
         <p:txBody>
           <a:bodyPr vert="horz" wrap="square" lIns="91440" tIns="45720" rIns="91440" bIns="45720" anchor="t"/>
@@ -38033,7 +37610,6 @@
             <a:off x="457200" y="260350"/>
             <a:ext cx="8229600" cy="563563"/>
           </a:xfrm>
-          <a:ln/>
         </p:spPr>
         <p:txBody>
           <a:bodyPr vert="horz" wrap="square" lIns="91440" tIns="45720" rIns="91440" bIns="45720" anchor="ctr"/>
@@ -38057,9 +37633,7 @@
             <p:ph idx="1"/>
           </p:nvPr>
         </p:nvSpPr>
-        <p:spPr>
-          <a:ln/>
-        </p:spPr>
+        <p:spPr/>
         <p:txBody>
           <a:bodyPr vert="horz" wrap="square" lIns="91440" tIns="45720" rIns="91440" bIns="45720" anchor="t"/>
           <a:p>
@@ -38140,9 +37714,7 @@
             <p:ph type="title"/>
           </p:nvPr>
         </p:nvSpPr>
-        <p:spPr>
-          <a:ln/>
-        </p:spPr>
+        <p:spPr/>
         <p:txBody>
           <a:bodyPr vert="horz" wrap="square" lIns="91440" tIns="45720" rIns="91440" bIns="45720" anchor="ctr"/>
           <a:p>
@@ -38178,7 +37750,6 @@
             <a:off x="611188" y="1268413"/>
             <a:ext cx="7772400" cy="4392612"/>
           </a:xfrm>
-          <a:ln/>
         </p:spPr>
         <p:txBody>
           <a:bodyPr vert="horz" wrap="square" lIns="91440" tIns="45720" rIns="91440" bIns="45720" anchor="t"/>
@@ -38320,9 +37891,7 @@
             <p:ph type="title"/>
           </p:nvPr>
         </p:nvSpPr>
-        <p:spPr>
-          <a:ln/>
-        </p:spPr>
+        <p:spPr/>
         <p:txBody>
           <a:bodyPr vert="horz" wrap="square" lIns="91440" tIns="45720" rIns="91440" bIns="45720" anchor="ctr"/>
           <a:p>
@@ -38354,7 +37923,6 @@
             <a:off x="957263" y="1341438"/>
             <a:ext cx="6329362" cy="4697412"/>
           </a:xfrm>
-          <a:ln/>
         </p:spPr>
         <p:txBody>
           <a:bodyPr vert="horz" wrap="square" lIns="91440" tIns="45720" rIns="91440" bIns="45720" anchor="t"/>
@@ -38551,9 +38119,7 @@
             <p:ph type="title"/>
           </p:nvPr>
         </p:nvSpPr>
-        <p:spPr>
-          <a:ln/>
-        </p:spPr>
+        <p:spPr/>
         <p:txBody>
           <a:bodyPr vert="horz" wrap="square" lIns="91440" tIns="45720" rIns="91440" bIns="45720" anchor="ctr"/>
           <a:p>
@@ -38585,7 +38151,6 @@
             <a:off x="457200" y="1268413"/>
             <a:ext cx="8229600" cy="4695825"/>
           </a:xfrm>
-          <a:ln/>
         </p:spPr>
         <p:txBody>
           <a:bodyPr vert="horz" wrap="square" lIns="91440" tIns="45720" rIns="91440" bIns="45720" anchor="t"/>
@@ -38791,9 +38356,7 @@
             <p:ph type="title"/>
           </p:nvPr>
         </p:nvSpPr>
-        <p:spPr>
-          <a:ln/>
-        </p:spPr>
+        <p:spPr/>
         <p:txBody>
           <a:bodyPr vert="horz" wrap="square" lIns="91440" tIns="45720" rIns="91440" bIns="45720" anchor="ctr"/>
           <a:p>
@@ -38825,7 +38388,6 @@
             <a:off x="762000" y="1341438"/>
             <a:ext cx="7543800" cy="4781550"/>
           </a:xfrm>
-          <a:ln/>
         </p:spPr>
         <p:txBody>
           <a:bodyPr vert="horz" wrap="square" lIns="91440" tIns="45720" rIns="91440" bIns="45720" anchor="t"/>
@@ -38918,9 +38480,7 @@
             <p:ph type="title"/>
           </p:nvPr>
         </p:nvSpPr>
-        <p:spPr>
-          <a:ln/>
-        </p:spPr>
+        <p:spPr/>
         <p:txBody>
           <a:bodyPr vert="horz" wrap="square" lIns="91440" tIns="45720" rIns="91440" bIns="45720" anchor="ctr"/>
           <a:p>
@@ -38948,7 +38508,6 @@
             <a:off x="457200" y="1098550"/>
             <a:ext cx="8229600" cy="5095875"/>
           </a:xfrm>
-          <a:ln/>
         </p:spPr>
         <p:txBody>
           <a:bodyPr vert="horz" wrap="square" lIns="91440" tIns="45720" rIns="91440" bIns="45720" anchor="t"/>
@@ -39108,9 +38667,7 @@
             <p:ph type="title"/>
           </p:nvPr>
         </p:nvSpPr>
-        <p:spPr>
-          <a:ln/>
-        </p:spPr>
+        <p:spPr/>
         <p:txBody>
           <a:bodyPr vert="horz" wrap="square" lIns="91440" tIns="45720" rIns="91440" bIns="45720" anchor="ctr"/>
           <a:p>
@@ -39138,7 +38695,6 @@
             <a:off x="611188" y="1341438"/>
             <a:ext cx="7772400" cy="4330700"/>
           </a:xfrm>
-          <a:ln/>
         </p:spPr>
         <p:txBody>
           <a:bodyPr vert="horz" wrap="square" lIns="91440" tIns="45720" rIns="91440" bIns="45720" anchor="t"/>
@@ -39249,7 +38805,6 @@
             <a:off x="914400" y="188913"/>
             <a:ext cx="7391400" cy="563562"/>
           </a:xfrm>
-          <a:ln/>
         </p:spPr>
         <p:txBody>
           <a:bodyPr vert="horz" wrap="square" lIns="91440" tIns="45720" rIns="91440" bIns="45720" anchor="ctr"/>
@@ -40046,9 +39601,7 @@
             <p:ph type="title"/>
           </p:nvPr>
         </p:nvSpPr>
-        <p:spPr>
-          <a:ln/>
-        </p:spPr>
+        <p:spPr/>
         <p:txBody>
           <a:bodyPr vert="horz" wrap="square" lIns="91440" tIns="45720" rIns="91440" bIns="45720" anchor="ctr"/>
           <a:p>
@@ -40075,9 +39628,7 @@
             <p:ph idx="1"/>
           </p:nvPr>
         </p:nvSpPr>
-        <p:spPr>
-          <a:ln/>
-        </p:spPr>
+        <p:spPr/>
         <p:txBody>
           <a:bodyPr vert="horz" wrap="square" lIns="91440" tIns="45720" rIns="91440" bIns="45720" anchor="t"/>
           <a:p>
@@ -40287,9 +39838,7 @@
             <p:ph type="title"/>
           </p:nvPr>
         </p:nvSpPr>
-        <p:spPr>
-          <a:ln/>
-        </p:spPr>
+        <p:spPr/>
         <p:txBody>
           <a:bodyPr vert="horz" wrap="square" lIns="91440" tIns="45720" rIns="91440" bIns="45720" anchor="ctr"/>
           <a:p>
@@ -40312,9 +39861,7 @@
             <p:ph idx="1"/>
           </p:nvPr>
         </p:nvSpPr>
-        <p:spPr>
-          <a:ln/>
-        </p:spPr>
+        <p:spPr/>
         <p:txBody>
           <a:bodyPr vert="horz" wrap="square" lIns="91440" tIns="45720" rIns="91440" bIns="45720" anchor="t"/>
           <a:p>
@@ -40418,9 +39965,7 @@
             <p:ph type="title"/>
           </p:nvPr>
         </p:nvSpPr>
-        <p:spPr>
-          <a:ln/>
-        </p:spPr>
+        <p:spPr/>
         <p:txBody>
           <a:bodyPr vert="horz" wrap="square" lIns="91440" tIns="45720" rIns="91440" bIns="45720" anchor="ctr"/>
           <a:p>
@@ -40443,9 +39988,7 @@
             <p:ph idx="1"/>
           </p:nvPr>
         </p:nvSpPr>
-        <p:spPr>
-          <a:ln/>
-        </p:spPr>
+        <p:spPr/>
         <p:txBody>
           <a:bodyPr vert="horz" wrap="square" lIns="91440" tIns="45720" rIns="91440" bIns="45720" anchor="t"/>
           <a:p>
@@ -40571,9 +40114,7 @@
             <p:ph type="title"/>
           </p:nvPr>
         </p:nvSpPr>
-        <p:spPr>
-          <a:ln/>
-        </p:spPr>
+        <p:spPr/>
         <p:txBody>
           <a:bodyPr vert="horz" wrap="square" lIns="91440" tIns="45720" rIns="91440" bIns="45720" anchor="ctr"/>
           <a:p>
@@ -40601,7 +40142,6 @@
             <a:off x="2484438" y="5589588"/>
             <a:ext cx="5113337" cy="360362"/>
           </a:xfrm>
-          <a:ln/>
         </p:spPr>
         <p:txBody>
           <a:bodyPr vert="horz" wrap="square" lIns="91440" tIns="45720" rIns="91440" bIns="45720" anchor="t"/>
@@ -40700,9 +40240,7 @@
             <p:ph type="title"/>
           </p:nvPr>
         </p:nvSpPr>
-        <p:spPr>
-          <a:ln/>
-        </p:spPr>
+        <p:spPr/>
         <p:txBody>
           <a:bodyPr vert="horz" wrap="square" lIns="91440" tIns="45720" rIns="91440" bIns="45720" anchor="ctr"/>
           <a:p>
@@ -40734,7 +40272,6 @@
             <a:off x="684213" y="1268413"/>
             <a:ext cx="7924800" cy="4546600"/>
           </a:xfrm>
-          <a:ln/>
         </p:spPr>
         <p:txBody>
           <a:bodyPr vert="horz" wrap="square" lIns="91440" tIns="45720" rIns="91440" bIns="45720" anchor="t"/>
@@ -40837,9 +40374,7 @@
             <p:ph type="title"/>
           </p:nvPr>
         </p:nvSpPr>
-        <p:spPr>
-          <a:ln/>
-        </p:spPr>
+        <p:spPr/>
         <p:txBody>
           <a:bodyPr vert="horz" wrap="square" lIns="91440" tIns="45720" rIns="91440" bIns="45720" anchor="ctr"/>
           <a:p>
@@ -40871,7 +40406,6 @@
             <a:off x="611188" y="1125538"/>
             <a:ext cx="8151812" cy="5254625"/>
           </a:xfrm>
-          <a:ln/>
         </p:spPr>
         <p:txBody>
           <a:bodyPr vert="horz" wrap="square" lIns="91440" tIns="45720" rIns="91440" bIns="45720" anchor="t"/>
@@ -41009,9 +40543,7 @@
             <p:ph type="title"/>
           </p:nvPr>
         </p:nvSpPr>
-        <p:spPr>
-          <a:ln/>
-        </p:spPr>
+        <p:spPr/>
         <p:txBody>
           <a:bodyPr vert="horz" wrap="square" lIns="91440" tIns="45720" rIns="91440" bIns="45720" anchor="ctr"/>
           <a:p>
@@ -41043,7 +40575,6 @@
             <a:off x="957263" y="1098550"/>
             <a:ext cx="6329362" cy="4922838"/>
           </a:xfrm>
-          <a:ln/>
         </p:spPr>
         <p:txBody>
           <a:bodyPr vert="horz" wrap="square" lIns="91440" tIns="45720" rIns="91440" bIns="45720" anchor="t"/>
@@ -41240,9 +40771,7 @@
             <p:ph type="title"/>
           </p:nvPr>
         </p:nvSpPr>
-        <p:spPr>
-          <a:ln/>
-        </p:spPr>
+        <p:spPr/>
         <p:txBody>
           <a:bodyPr vert="horz" wrap="square" lIns="91440" tIns="45720" rIns="91440" bIns="45720" anchor="ctr"/>
           <a:p>
@@ -41274,7 +40803,6 @@
             <a:off x="457200" y="1098550"/>
             <a:ext cx="8435975" cy="5095875"/>
           </a:xfrm>
-          <a:ln/>
         </p:spPr>
         <p:txBody>
           <a:bodyPr vert="horz" wrap="square" lIns="91440" tIns="45720" rIns="91440" bIns="45720" anchor="t"/>
@@ -41377,7 +40905,6 @@
             <a:off x="914400" y="188913"/>
             <a:ext cx="7391400" cy="563562"/>
           </a:xfrm>
-          <a:ln/>
         </p:spPr>
         <p:txBody>
           <a:bodyPr vert="horz" wrap="square" lIns="91440" tIns="45720" rIns="91440" bIns="45720" anchor="ctr"/>
@@ -41410,7 +40937,6 @@
             <a:off x="468313" y="1125538"/>
             <a:ext cx="8435975" cy="1008062"/>
           </a:xfrm>
-          <a:ln/>
         </p:spPr>
         <p:txBody>
           <a:bodyPr vert="horz" wrap="square" lIns="91440" tIns="45720" rIns="91440" bIns="45720" anchor="t"/>
@@ -41452,7 +40978,7 @@
         </p:nvGraphicFramePr>
         <p:xfrm>
           <a:off x="1331913" y="3197225"/>
-          <a:ext cx="6481763" cy="2535238"/>
+          <a:ext cx="6481763" cy="2535239"/>
         </p:xfrm>
         <a:graphic>
           <a:graphicData uri="http://schemas.openxmlformats.org/drawingml/2006/table">
@@ -44483,9 +44009,7 @@
             <p:ph type="title"/>
           </p:nvPr>
         </p:nvSpPr>
-        <p:spPr>
-          <a:ln/>
-        </p:spPr>
+        <p:spPr/>
         <p:txBody>
           <a:bodyPr vert="horz" wrap="square" lIns="91440" tIns="45720" rIns="91440" bIns="45720" anchor="ctr"/>
           <a:p>
@@ -44513,7 +44037,6 @@
             <a:off x="457200" y="1098550"/>
             <a:ext cx="8229600" cy="5226050"/>
           </a:xfrm>
-          <a:ln/>
         </p:spPr>
         <p:txBody>
           <a:bodyPr vert="horz" wrap="square" lIns="91440" tIns="45720" rIns="91440" bIns="45720" anchor="t"/>
@@ -44720,9 +44243,7 @@
             <p:ph type="title"/>
           </p:nvPr>
         </p:nvSpPr>
-        <p:spPr>
-          <a:ln/>
-        </p:spPr>
+        <p:spPr/>
         <p:txBody>
           <a:bodyPr vert="horz" wrap="square" lIns="91440" tIns="45720" rIns="91440" bIns="45720" anchor="ctr"/>
           <a:p>
@@ -44750,7 +44271,6 @@
             <a:off x="539750" y="1341438"/>
             <a:ext cx="7772400" cy="4695825"/>
           </a:xfrm>
-          <a:ln/>
         </p:spPr>
         <p:txBody>
           <a:bodyPr vert="horz" wrap="square" lIns="91440" tIns="45720" rIns="91440" bIns="45720" anchor="t"/>
@@ -45035,9 +44555,7 @@
             <p:ph idx="1"/>
           </p:nvPr>
         </p:nvSpPr>
-        <p:spPr>
-          <a:ln/>
-        </p:spPr>
+        <p:spPr/>
         <p:txBody>
           <a:bodyPr vert="horz" wrap="square" lIns="91440" tIns="45720" rIns="91440" bIns="45720" anchor="t"/>
           <a:p>
@@ -45423,7 +44941,6 @@
             <a:off x="914400" y="188913"/>
             <a:ext cx="7391400" cy="563562"/>
           </a:xfrm>
-          <a:ln/>
         </p:spPr>
         <p:txBody>
           <a:bodyPr vert="horz" wrap="square" lIns="91440" tIns="45720" rIns="91440" bIns="45720" anchor="ctr"/>
@@ -45452,7 +44969,6 @@
             <a:off x="611188" y="1052513"/>
             <a:ext cx="8208962" cy="1944687"/>
           </a:xfrm>
-          <a:ln/>
         </p:spPr>
         <p:txBody>
           <a:bodyPr vert="horz" wrap="square" lIns="91440" tIns="45720" rIns="91440" bIns="45720" anchor="t"/>
@@ -45559,7 +45075,7 @@
         </p:nvGraphicFramePr>
         <p:xfrm>
           <a:off x="395288" y="3141663"/>
-          <a:ext cx="8569325" cy="2089150"/>
+          <a:ext cx="8569326" cy="2089151"/>
         </p:xfrm>
         <a:graphic>
           <a:graphicData uri="http://schemas.openxmlformats.org/drawingml/2006/table">
@@ -48790,7 +48306,6 @@
             <a:off x="914400" y="115888"/>
             <a:ext cx="7391400" cy="563562"/>
           </a:xfrm>
-          <a:ln/>
         </p:spPr>
         <p:txBody>
           <a:bodyPr vert="horz" wrap="square" lIns="91440" tIns="45720" rIns="91440" bIns="45720" anchor="ctr"/>
@@ -50796,7 +50311,6 @@
             <a:off x="611188" y="-100012"/>
             <a:ext cx="7848600" cy="1143000"/>
           </a:xfrm>
-          <a:ln/>
         </p:spPr>
         <p:txBody>
           <a:bodyPr vert="horz" wrap="square" lIns="91440" tIns="45720" rIns="91440" bIns="45720" anchor="ctr"/>
@@ -50829,7 +50343,6 @@
             <a:off x="457200" y="1285875"/>
             <a:ext cx="8229600" cy="5151438"/>
           </a:xfrm>
-          <a:ln/>
         </p:spPr>
         <p:txBody>
           <a:bodyPr vert="horz" wrap="square" lIns="91440" tIns="45720" rIns="91440" bIns="45720" anchor="t"/>
@@ -50974,7 +50487,6 @@
             <a:off x="990600" y="-171450"/>
             <a:ext cx="7848600" cy="1143000"/>
           </a:xfrm>
-          <a:ln/>
         </p:spPr>
         <p:txBody>
           <a:bodyPr vert="horz" wrap="square" lIns="91440" tIns="45720" rIns="91440" bIns="45720" anchor="ctr"/>
@@ -50998,9 +50510,7 @@
             <p:ph idx="1"/>
           </p:nvPr>
         </p:nvSpPr>
-        <p:spPr>
-          <a:ln/>
-        </p:spPr>
+        <p:spPr/>
         <p:txBody>
           <a:bodyPr vert="horz" wrap="square" lIns="91440" tIns="45720" rIns="91440" bIns="45720" anchor="t"/>
           <a:p>
@@ -51087,9 +50597,7 @@
             <p:ph type="title"/>
           </p:nvPr>
         </p:nvSpPr>
-        <p:spPr>
-          <a:ln/>
-        </p:spPr>
+        <p:spPr/>
         <p:txBody>
           <a:bodyPr vert="horz" wrap="square" lIns="91440" tIns="45720" rIns="91440" bIns="45720" anchor="ctr"/>
           <a:p>
@@ -51121,7 +50629,6 @@
             <a:off x="457200" y="1098550"/>
             <a:ext cx="8229600" cy="5095875"/>
           </a:xfrm>
-          <a:ln/>
         </p:spPr>
         <p:txBody>
           <a:bodyPr vert="horz" wrap="square" lIns="91440" tIns="45720" rIns="91440" bIns="45720" anchor="t"/>
@@ -51263,9 +50770,7 @@
             <p:ph type="title"/>
           </p:nvPr>
         </p:nvSpPr>
-        <p:spPr>
-          <a:ln/>
-        </p:spPr>
+        <p:spPr/>
         <p:txBody>
           <a:bodyPr vert="horz" wrap="square" lIns="91440" tIns="45720" rIns="91440" bIns="45720" anchor="ctr"/>
           <a:p>
@@ -51288,9 +50793,7 @@
             <p:ph idx="1"/>
           </p:nvPr>
         </p:nvSpPr>
-        <p:spPr>
-          <a:ln/>
-        </p:spPr>
+        <p:spPr/>
         <p:txBody>
           <a:bodyPr vert="horz" wrap="square" lIns="91440" tIns="45720" rIns="91440" bIns="45720" anchor="t"/>
           <a:p>
@@ -51313,7 +50816,7 @@
             </a:pPr>
             <a:r>
               <a:rPr lang="zh-CN" altLang="en-US" dirty="0"/>
-              <a:t>存取路径对用户透明，查询效率往往不如格式化数据模型</a:t>
+              <a:t>存取路径对用户不透明，查询效率往往不如格式化数据模型</a:t>
             </a:r>
             <a:endParaRPr lang="zh-CN" altLang="en-US" dirty="0"/>
           </a:p>
@@ -51363,9 +50866,7 @@
             <p:ph type="title"/>
           </p:nvPr>
         </p:nvSpPr>
-        <p:spPr>
-          <a:ln/>
-        </p:spPr>
+        <p:spPr/>
         <p:txBody>
           <a:bodyPr vert="horz" wrap="square" lIns="91440" tIns="45720" rIns="91440" bIns="45720" anchor="ctr"/>
           <a:p>
@@ -51388,9 +50889,7 @@
             <p:ph idx="1"/>
           </p:nvPr>
         </p:nvSpPr>
-        <p:spPr>
-          <a:ln/>
-        </p:spPr>
+        <p:spPr/>
         <p:txBody>
           <a:bodyPr vert="horz" wrap="square" lIns="91440" tIns="45720" rIns="91440" bIns="45720" anchor="t"/>
           <a:p>
@@ -51520,9 +51019,7 @@
             <p:ph type="title"/>
           </p:nvPr>
         </p:nvSpPr>
-        <p:spPr>
-          <a:ln/>
-        </p:spPr>
+        <p:spPr/>
         <p:txBody>
           <a:bodyPr vert="horz" wrap="square" lIns="91440" tIns="45720" rIns="91440" bIns="45720" anchor="ctr"/>
           <a:p>
@@ -51562,7 +51059,6 @@
             <a:off x="457200" y="1268413"/>
             <a:ext cx="8435975" cy="4495800"/>
           </a:xfrm>
-          <a:ln/>
         </p:spPr>
         <p:txBody>
           <a:bodyPr vert="horz" wrap="square" lIns="91440" tIns="45720" rIns="91440" bIns="45720" anchor="t"/>
@@ -51746,9 +51242,7 @@
             <p:ph type="title"/>
           </p:nvPr>
         </p:nvSpPr>
-        <p:spPr>
-          <a:ln/>
-        </p:spPr>
+        <p:spPr/>
         <p:txBody>
           <a:bodyPr vert="horz" wrap="square" lIns="91440" tIns="45720" rIns="91440" bIns="45720" anchor="ctr"/>
           <a:p>
@@ -51788,7 +51282,6 @@
             <a:off x="590550" y="1339850"/>
             <a:ext cx="8229600" cy="4854575"/>
           </a:xfrm>
-          <a:ln/>
         </p:spPr>
         <p:txBody>
           <a:bodyPr vert="horz" wrap="square" lIns="91440" tIns="45720" rIns="91440" bIns="45720" anchor="t"/>
@@ -51885,9 +51378,7 @@
             <p:ph type="title"/>
           </p:nvPr>
         </p:nvSpPr>
-        <p:spPr>
-          <a:ln/>
-        </p:spPr>
+        <p:spPr/>
         <p:txBody>
           <a:bodyPr vert="horz" wrap="square" lIns="91440" tIns="45720" rIns="91440" bIns="45720" anchor="ctr"/>
           <a:p>
@@ -51919,7 +51410,6 @@
             <a:off x="684213" y="1268413"/>
             <a:ext cx="8002587" cy="4787900"/>
           </a:xfrm>
-          <a:ln/>
         </p:spPr>
         <p:txBody>
           <a:bodyPr vert="horz" wrap="square" lIns="91440" tIns="45720" rIns="91440" bIns="45720" anchor="t"/>
